--- a/TUGAS GOLD CHALLENGE.pptx
+++ b/TUGAS GOLD CHALLENGE.pptx
@@ -307,7 +307,7 @@
             <a:fld id="{B61BEF0D-F0BB-DE4B-95CE-6DB70DBA9567}" type="datetimeFigureOut">
               <a:rPr lang="en-US" dirty="0"/>
               <a:pPr/>
-              <a:t>6/16/2023</a:t>
+              <a:t>6/18/2023</a:t>
             </a:fld>
             <a:endParaRPr lang="en-US" dirty="0"/>
           </a:p>
@@ -642,7 +642,7 @@
             <a:fld id="{B61BEF0D-F0BB-DE4B-95CE-6DB70DBA9567}" type="datetimeFigureOut">
               <a:rPr lang="en-US" dirty="0"/>
               <a:pPr/>
-              <a:t>6/16/2023</a:t>
+              <a:t>6/18/2023</a:t>
             </a:fld>
             <a:endParaRPr lang="en-US" dirty="0"/>
           </a:p>
@@ -1040,7 +1040,7 @@
             <a:fld id="{B61BEF0D-F0BB-DE4B-95CE-6DB70DBA9567}" type="datetimeFigureOut">
               <a:rPr lang="en-US" dirty="0"/>
               <a:pPr/>
-              <a:t>6/16/2023</a:t>
+              <a:t>6/18/2023</a:t>
             </a:fld>
             <a:endParaRPr lang="en-US" dirty="0"/>
           </a:p>
@@ -1373,7 +1373,7 @@
             <a:fld id="{B61BEF0D-F0BB-DE4B-95CE-6DB70DBA9567}" type="datetimeFigureOut">
               <a:rPr lang="en-US" dirty="0"/>
               <a:pPr/>
-              <a:t>6/16/2023</a:t>
+              <a:t>6/18/2023</a:t>
             </a:fld>
             <a:endParaRPr lang="en-US" dirty="0"/>
           </a:p>
@@ -1690,7 +1690,7 @@
             <a:fld id="{B61BEF0D-F0BB-DE4B-95CE-6DB70DBA9567}" type="datetimeFigureOut">
               <a:rPr lang="en-US" dirty="0"/>
               <a:pPr/>
-              <a:t>6/16/2023</a:t>
+              <a:t>6/18/2023</a:t>
             </a:fld>
             <a:endParaRPr lang="en-US" dirty="0"/>
           </a:p>
@@ -2083,7 +2083,7 @@
             <a:fld id="{B61BEF0D-F0BB-DE4B-95CE-6DB70DBA9567}" type="datetimeFigureOut">
               <a:rPr lang="en-US" dirty="0"/>
               <a:pPr/>
-              <a:t>6/16/2023</a:t>
+              <a:t>6/18/2023</a:t>
             </a:fld>
             <a:endParaRPr lang="en-US" dirty="0"/>
           </a:p>
@@ -2337,7 +2337,7 @@
             <a:fld id="{B61BEF0D-F0BB-DE4B-95CE-6DB70DBA9567}" type="datetimeFigureOut">
               <a:rPr lang="en-US" dirty="0"/>
               <a:pPr/>
-              <a:t>6/16/2023</a:t>
+              <a:t>6/18/2023</a:t>
             </a:fld>
             <a:endParaRPr lang="en-US" dirty="0"/>
           </a:p>
@@ -2596,7 +2596,7 @@
             <a:fld id="{B61BEF0D-F0BB-DE4B-95CE-6DB70DBA9567}" type="datetimeFigureOut">
               <a:rPr lang="en-US" dirty="0"/>
               <a:pPr/>
-              <a:t>6/16/2023</a:t>
+              <a:t>6/18/2023</a:t>
             </a:fld>
             <a:endParaRPr lang="en-US" dirty="0"/>
           </a:p>
@@ -2855,7 +2855,7 @@
             <a:fld id="{B61BEF0D-F0BB-DE4B-95CE-6DB70DBA9567}" type="datetimeFigureOut">
               <a:rPr lang="en-US" dirty="0"/>
               <a:pPr/>
-              <a:t>6/16/2023</a:t>
+              <a:t>6/18/2023</a:t>
             </a:fld>
             <a:endParaRPr lang="en-US" dirty="0"/>
           </a:p>
@@ -3181,7 +3181,7 @@
             <a:fld id="{B61BEF0D-F0BB-DE4B-95CE-6DB70DBA9567}" type="datetimeFigureOut">
               <a:rPr lang="en-US" dirty="0"/>
               <a:pPr/>
-              <a:t>6/16/2023</a:t>
+              <a:t>6/18/2023</a:t>
             </a:fld>
             <a:endParaRPr lang="en-US" dirty="0"/>
           </a:p>
@@ -3501,7 +3501,7 @@
             <a:fld id="{B61BEF0D-F0BB-DE4B-95CE-6DB70DBA9567}" type="datetimeFigureOut">
               <a:rPr lang="en-US" dirty="0"/>
               <a:pPr/>
-              <a:t>6/16/2023</a:t>
+              <a:t>6/18/2023</a:t>
             </a:fld>
             <a:endParaRPr lang="en-US" dirty="0"/>
           </a:p>
@@ -3955,7 +3955,7 @@
             <a:fld id="{B61BEF0D-F0BB-DE4B-95CE-6DB70DBA9567}" type="datetimeFigureOut">
               <a:rPr lang="en-US" dirty="0"/>
               <a:pPr/>
-              <a:t>6/16/2023</a:t>
+              <a:t>6/18/2023</a:t>
             </a:fld>
             <a:endParaRPr lang="en-US" dirty="0"/>
           </a:p>
@@ -4157,7 +4157,7 @@
             <a:fld id="{B61BEF0D-F0BB-DE4B-95CE-6DB70DBA9567}" type="datetimeFigureOut">
               <a:rPr lang="en-US" dirty="0"/>
               <a:pPr/>
-              <a:t>6/16/2023</a:t>
+              <a:t>6/18/2023</a:t>
             </a:fld>
             <a:endParaRPr lang="en-US" dirty="0"/>
           </a:p>
@@ -4331,7 +4331,7 @@
             <a:fld id="{B61BEF0D-F0BB-DE4B-95CE-6DB70DBA9567}" type="datetimeFigureOut">
               <a:rPr lang="en-US" dirty="0"/>
               <a:pPr/>
-              <a:t>6/16/2023</a:t>
+              <a:t>6/18/2023</a:t>
             </a:fld>
             <a:endParaRPr lang="en-US" dirty="0"/>
           </a:p>
@@ -4661,7 +4661,7 @@
             <a:fld id="{B61BEF0D-F0BB-DE4B-95CE-6DB70DBA9567}" type="datetimeFigureOut">
               <a:rPr lang="en-US" dirty="0"/>
               <a:pPr/>
-              <a:t>6/16/2023</a:t>
+              <a:t>6/18/2023</a:t>
             </a:fld>
             <a:endParaRPr lang="en-US" dirty="0"/>
           </a:p>
@@ -5003,7 +5003,7 @@
             <a:fld id="{B61BEF0D-F0BB-DE4B-95CE-6DB70DBA9567}" type="datetimeFigureOut">
               <a:rPr lang="en-US" dirty="0"/>
               <a:pPr/>
-              <a:t>6/16/2023</a:t>
+              <a:t>6/18/2023</a:t>
             </a:fld>
             <a:endParaRPr lang="en-US" dirty="0"/>
           </a:p>
@@ -7117,7 +7117,7 @@
             <a:fld id="{B61BEF0D-F0BB-DE4B-95CE-6DB70DBA9567}" type="datetimeFigureOut">
               <a:rPr lang="en-US" dirty="0"/>
               <a:pPr/>
-              <a:t>6/16/2023</a:t>
+              <a:t>6/18/2023</a:t>
             </a:fld>
             <a:endParaRPr lang="en-US" dirty="0"/>
           </a:p>
@@ -7631,6 +7631,51 @@
           <a:chExt cx="0" cy="0"/>
         </a:xfrm>
       </p:grpSpPr>
+      <p:pic>
+        <p:nvPicPr>
+          <p:cNvPr id="1026" name="Picture 2">
+            <a:extLst>
+              <a:ext uri="{FF2B5EF4-FFF2-40B4-BE49-F238E27FC236}">
+                <a16:creationId xmlns:a16="http://schemas.microsoft.com/office/drawing/2014/main" id="{F59483D9-FE4A-101D-618F-033440C90A54}"/>
+              </a:ext>
+            </a:extLst>
+          </p:cNvPr>
+          <p:cNvPicPr>
+            <a:picLocks noChangeAspect="1" noChangeArrowheads="1"/>
+          </p:cNvPicPr>
+          <p:nvPr/>
+        </p:nvPicPr>
+        <p:blipFill rotWithShape="1">
+          <a:blip r:embed="rId2">
+            <a:extLst>
+              <a:ext uri="{28A0092B-C50C-407E-A947-70E740481C1C}">
+                <a14:useLocalDpi xmlns:a14="http://schemas.microsoft.com/office/drawing/2010/main" val="0"/>
+              </a:ext>
+            </a:extLst>
+          </a:blip>
+          <a:srcRect b="10604"/>
+          <a:stretch/>
+        </p:blipFill>
+        <p:spPr bwMode="auto">
+          <a:xfrm>
+            <a:off x="5259775" y="1736550"/>
+            <a:ext cx="6857637" cy="5148000"/>
+          </a:xfrm>
+          <a:prstGeom prst="rect">
+            <a:avLst/>
+          </a:prstGeom>
+          <a:noFill/>
+          <a:extLst>
+            <a:ext uri="{909E8E84-426E-40DD-AFC4-6F175D3DCCD1}">
+              <a14:hiddenFill xmlns:a14="http://schemas.microsoft.com/office/drawing/2010/main">
+                <a:solidFill>
+                  <a:srgbClr val="FFFFFF"/>
+                </a:solidFill>
+              </a14:hiddenFill>
+            </a:ext>
+          </a:extLst>
+        </p:spPr>
+      </p:pic>
       <p:sp>
         <p:nvSpPr>
           <p:cNvPr id="2" name="Title 1">
@@ -7649,8 +7694,8 @@
         </p:nvSpPr>
         <p:spPr>
           <a:xfrm>
-            <a:off x="1994853" y="480060"/>
-            <a:ext cx="9892347" cy="3223260"/>
+            <a:off x="207616" y="526473"/>
+            <a:ext cx="10695911" cy="3186545"/>
           </a:xfrm>
         </p:spPr>
         <p:txBody>
@@ -7659,7 +7704,6 @@
           </a:bodyPr>
           <a:lstStyle/>
           <a:p>
-            <a:pPr algn="ctr"/>
             <a:r>
               <a:rPr lang="en-US" dirty="0" err="1"/>
               <a:t>Analisis</a:t>
@@ -7674,7 +7718,23 @@
             </a:r>
             <a:r>
               <a:rPr lang="en-US" dirty="0"/>
-              <a:t> dan Kata pada Data Tweeter </a:t>
+              <a:t> dan Kata pada </a:t>
+            </a:r>
+            <a:r>
+              <a:rPr lang="en-US" dirty="0" err="1"/>
+              <a:t>Komentar</a:t>
+            </a:r>
+            <a:r>
+              <a:rPr lang="en-US" dirty="0"/>
+              <a:t> </a:t>
+            </a:r>
+            <a:r>
+              <a:rPr lang="en-US" dirty="0" err="1"/>
+              <a:t>Pengguna</a:t>
+            </a:r>
+            <a:r>
+              <a:rPr lang="en-US" dirty="0"/>
+              <a:t> Tweeter </a:t>
             </a:r>
             <a:r>
               <a:rPr lang="en-US" dirty="0" err="1"/>
@@ -7832,7 +7892,7 @@
         </p:spPr>
         <p:txBody>
           <a:bodyPr>
-            <a:normAutofit lnSpcReduction="10000"/>
+            <a:normAutofit/>
           </a:bodyPr>
           <a:lstStyle/>
           <a:p>
@@ -7871,11 +7931,19 @@
             </a:r>
             <a:r>
               <a:rPr lang="en-ID" dirty="0"/>
-              <a:t> no 4 di dunia. </a:t>
+              <a:t> no 4 di dunia dan </a:t>
             </a:r>
             <a:r>
               <a:rPr lang="en-ID" dirty="0" err="1"/>
-              <a:t>Pengguna</a:t>
+              <a:t>untuk</a:t>
+            </a:r>
+            <a:r>
+              <a:rPr lang="en-ID" dirty="0"/>
+              <a:t> </a:t>
+            </a:r>
+            <a:r>
+              <a:rPr lang="en-ID" dirty="0" err="1"/>
+              <a:t>pengguna</a:t>
             </a:r>
             <a:r>
               <a:rPr lang="en-ID" dirty="0"/>
@@ -7884,14 +7952,6 @@
             <a:r>
               <a:rPr lang="en-ID" dirty="0" err="1"/>
               <a:t>sosial</a:t>
-            </a:r>
-            <a:r>
-              <a:rPr lang="en-ID" dirty="0"/>
-              <a:t> </a:t>
-            </a:r>
-            <a:r>
-              <a:rPr lang="en-ID" dirty="0" err="1"/>
-              <a:t>dari</a:t>
             </a:r>
             <a:r>
               <a:rPr lang="en-ID" dirty="0"/>
@@ -7991,8 +8051,12 @@
               <a:buNone/>
             </a:pPr>
             <a:r>
+              <a:rPr lang="en-ID" dirty="0"/>
+              <a:t>Oleh </a:t>
+            </a:r>
+            <a:r>
               <a:rPr lang="en-ID" dirty="0" err="1"/>
-              <a:t>Olej</a:t>
+              <a:t>karena</a:t>
             </a:r>
             <a:r>
               <a:rPr lang="en-ID" dirty="0"/>
@@ -8000,7 +8064,7 @@
             </a:r>
             <a:r>
               <a:rPr lang="en-ID" dirty="0" err="1"/>
-              <a:t>karena</a:t>
+              <a:t>itu</a:t>
             </a:r>
             <a:r>
               <a:rPr lang="en-ID" dirty="0"/>
@@ -8008,7 +8072,7 @@
             </a:r>
             <a:r>
               <a:rPr lang="en-ID" dirty="0" err="1"/>
-              <a:t>itu</a:t>
+              <a:t>penelitian</a:t>
             </a:r>
             <a:r>
               <a:rPr lang="en-ID" dirty="0"/>
@@ -8016,7 +8080,7 @@
             </a:r>
             <a:r>
               <a:rPr lang="en-ID" dirty="0" err="1"/>
-              <a:t>penelitian</a:t>
+              <a:t>ini</a:t>
             </a:r>
             <a:r>
               <a:rPr lang="en-ID" dirty="0"/>
@@ -8024,7 +8088,7 @@
             </a:r>
             <a:r>
               <a:rPr lang="en-ID" dirty="0" err="1"/>
-              <a:t>ini</a:t>
+              <a:t>bertujuan</a:t>
             </a:r>
             <a:r>
               <a:rPr lang="en-ID" dirty="0"/>
@@ -8032,7 +8096,7 @@
             </a:r>
             <a:r>
               <a:rPr lang="en-ID" dirty="0" err="1"/>
-              <a:t>bertujuan</a:t>
+              <a:t>untuk</a:t>
             </a:r>
             <a:r>
               <a:rPr lang="en-ID" dirty="0"/>
@@ -8040,7 +8104,7 @@
             </a:r>
             <a:r>
               <a:rPr lang="en-ID" dirty="0" err="1"/>
-              <a:t>untuk</a:t>
+              <a:t>menganalisis</a:t>
             </a:r>
             <a:r>
               <a:rPr lang="en-ID" dirty="0"/>
@@ -8048,7 +8112,7 @@
             </a:r>
             <a:r>
               <a:rPr lang="en-ID" dirty="0" err="1"/>
-              <a:t>menganalisis</a:t>
+              <a:t>kecendrungan</a:t>
             </a:r>
             <a:r>
               <a:rPr lang="en-ID" dirty="0"/>
@@ -8056,11 +8120,11 @@
             </a:r>
             <a:r>
               <a:rPr lang="en-ID" dirty="0" err="1"/>
-              <a:t>kecendrungan</a:t>
+              <a:t>jumlah</a:t>
             </a:r>
             <a:r>
               <a:rPr lang="en-ID" dirty="0"/>
-              <a:t> Panjang kata, Panjang </a:t>
+              <a:t> kata, Panjang </a:t>
             </a:r>
             <a:r>
               <a:rPr lang="en-ID" dirty="0" err="1"/>
@@ -8100,47 +8164,7 @@
             </a:r>
             <a:r>
               <a:rPr lang="en-ID" dirty="0"/>
-              <a:t> sentiment </a:t>
-            </a:r>
-            <a:r>
-              <a:rPr lang="en-ID" dirty="0" err="1"/>
-              <a:t>positif</a:t>
-            </a:r>
-            <a:r>
-              <a:rPr lang="en-ID" dirty="0"/>
-              <a:t> dan kata yang </a:t>
-            </a:r>
-            <a:r>
-              <a:rPr lang="en-ID" dirty="0" err="1"/>
-              <a:t>sering</a:t>
-            </a:r>
-            <a:r>
-              <a:rPr lang="en-ID" dirty="0"/>
-              <a:t> </a:t>
-            </a:r>
-            <a:r>
-              <a:rPr lang="en-ID" dirty="0" err="1"/>
-              <a:t>digunakan</a:t>
-            </a:r>
-            <a:r>
-              <a:rPr lang="en-ID" dirty="0"/>
-              <a:t> </a:t>
-            </a:r>
-            <a:r>
-              <a:rPr lang="en-ID" dirty="0" err="1"/>
-              <a:t>dalam</a:t>
-            </a:r>
-            <a:r>
-              <a:rPr lang="en-ID" dirty="0"/>
-              <a:t> </a:t>
-            </a:r>
-            <a:r>
-              <a:rPr lang="en-ID" dirty="0" err="1"/>
-              <a:t>komentar</a:t>
-            </a:r>
-            <a:r>
-              <a:rPr lang="en-ID" dirty="0"/>
-              <a:t> sentiment negative.</a:t>
+              <a:t>.</a:t>
             </a:r>
             <a:endParaRPr lang="en-US" b="1" dirty="0"/>
           </a:p>
@@ -8165,7 +8189,7 @@
             </a:pPr>
             <a:r>
               <a:rPr lang="en-ID" dirty="0" err="1"/>
-              <a:t>Meganalisis</a:t>
+              <a:t>Menganalisis</a:t>
             </a:r>
             <a:r>
               <a:rPr lang="en-ID" dirty="0"/>
@@ -8177,7 +8201,23 @@
             </a:r>
             <a:r>
               <a:rPr lang="en-ID" dirty="0"/>
-              <a:t> Panjang kata, Panjang </a:t>
+              <a:t> </a:t>
+            </a:r>
+            <a:r>
+              <a:rPr lang="en-ID" dirty="0" err="1"/>
+              <a:t>jumlah</a:t>
+            </a:r>
+            <a:r>
+              <a:rPr lang="en-ID" dirty="0"/>
+              <a:t> kata, </a:t>
+            </a:r>
+            <a:r>
+              <a:rPr lang="en-ID" dirty="0" err="1"/>
+              <a:t>panjang</a:t>
+            </a:r>
+            <a:r>
+              <a:rPr lang="en-ID" dirty="0"/>
+              <a:t> </a:t>
             </a:r>
             <a:r>
               <a:rPr lang="en-ID" dirty="0" err="1"/>
@@ -8217,47 +8257,7 @@
             </a:r>
             <a:r>
               <a:rPr lang="en-ID" dirty="0"/>
-              <a:t> sentiment </a:t>
-            </a:r>
-            <a:r>
-              <a:rPr lang="en-ID" dirty="0" err="1"/>
-              <a:t>positif</a:t>
-            </a:r>
-            <a:r>
-              <a:rPr lang="en-ID" dirty="0"/>
-              <a:t> dan kata yang </a:t>
-            </a:r>
-            <a:r>
-              <a:rPr lang="en-ID" dirty="0" err="1"/>
-              <a:t>sering</a:t>
-            </a:r>
-            <a:r>
-              <a:rPr lang="en-ID" dirty="0"/>
-              <a:t> </a:t>
-            </a:r>
-            <a:r>
-              <a:rPr lang="en-ID" dirty="0" err="1"/>
-              <a:t>digunakan</a:t>
-            </a:r>
-            <a:r>
-              <a:rPr lang="en-ID" dirty="0"/>
-              <a:t> </a:t>
-            </a:r>
-            <a:r>
-              <a:rPr lang="en-ID" dirty="0" err="1"/>
-              <a:t>dalam</a:t>
-            </a:r>
-            <a:r>
-              <a:rPr lang="en-ID" dirty="0"/>
-              <a:t> </a:t>
-            </a:r>
-            <a:r>
-              <a:rPr lang="en-ID" dirty="0" err="1"/>
-              <a:t>komentar</a:t>
-            </a:r>
-            <a:r>
-              <a:rPr lang="en-ID" dirty="0"/>
-              <a:t> sentiment negative.</a:t>
+              <a:t>.</a:t>
             </a:r>
             <a:endParaRPr lang="en-US" dirty="0"/>
           </a:p>
@@ -8294,11 +8294,19 @@
             </a:r>
             <a:r>
               <a:rPr lang="en-ID" dirty="0"/>
+              <a:t> </a:t>
+            </a:r>
+            <a:r>
+              <a:rPr lang="en-ID" dirty="0" err="1"/>
+              <a:t>jumlah</a:t>
+            </a:r>
+            <a:r>
+              <a:rPr lang="en-ID" dirty="0"/>
               <a:t> kata yang </a:t>
             </a:r>
             <a:r>
               <a:rPr lang="en-ID" dirty="0" err="1"/>
-              <a:t>sering</a:t>
+              <a:t>digunakan</a:t>
             </a:r>
             <a:r>
               <a:rPr lang="en-ID" dirty="0"/>
@@ -8306,11 +8314,19 @@
             </a:r>
             <a:r>
               <a:rPr lang="en-ID" dirty="0" err="1"/>
-              <a:t>muncul</a:t>
+              <a:t>saat</a:t>
             </a:r>
             <a:r>
               <a:rPr lang="en-ID" dirty="0"/>
-              <a:t> pada data ?</a:t>
+              <a:t> </a:t>
+            </a:r>
+            <a:r>
+              <a:rPr lang="en-ID" dirty="0" err="1"/>
+              <a:t>berkomentar</a:t>
+            </a:r>
+            <a:r>
+              <a:rPr lang="en-ID" dirty="0"/>
+              <a:t> ?</a:t>
             </a:r>
           </a:p>
           <a:p>
@@ -8331,7 +8347,7 @@
             </a:r>
             <a:r>
               <a:rPr lang="en-ID" dirty="0"/>
-              <a:t> </a:t>
+              <a:t> Panjang </a:t>
             </a:r>
             <a:r>
               <a:rPr lang="en-ID" dirty="0" err="1"/>
@@ -8343,7 +8359,7 @@
             </a:r>
             <a:r>
               <a:rPr lang="en-ID" dirty="0" err="1"/>
-              <a:t>sering</a:t>
+              <a:t>dibuat</a:t>
             </a:r>
             <a:r>
               <a:rPr lang="en-ID" dirty="0"/>
@@ -8351,11 +8367,19 @@
             </a:r>
             <a:r>
               <a:rPr lang="en-ID" dirty="0" err="1"/>
-              <a:t>muncul</a:t>
+              <a:t>saat</a:t>
             </a:r>
             <a:r>
               <a:rPr lang="en-ID" dirty="0"/>
-              <a:t> pada data ?</a:t>
+              <a:t> </a:t>
+            </a:r>
+            <a:r>
+              <a:rPr lang="en-ID" dirty="0" err="1"/>
+              <a:t>berkomentar</a:t>
+            </a:r>
+            <a:r>
+              <a:rPr lang="en-ID" dirty="0"/>
+              <a:t>  ?</a:t>
             </a:r>
           </a:p>
           <a:p>
@@ -8368,7 +8392,7 @@
             </a:r>
             <a:r>
               <a:rPr lang="en-ID" dirty="0"/>
-              <a:t> kata yang </a:t>
+              <a:t> kata-kata yang </a:t>
             </a:r>
             <a:r>
               <a:rPr lang="en-ID" dirty="0" err="1"/>
@@ -8511,11 +8535,11 @@
             </a:r>
             <a:r>
               <a:rPr lang="en-US" dirty="0" err="1"/>
-              <a:t>adalah</a:t>
+              <a:t>diambil</a:t>
             </a:r>
             <a:r>
               <a:rPr lang="en-US" dirty="0"/>
-              <a:t> data </a:t>
+              <a:t> </a:t>
             </a:r>
             <a:r>
               <a:rPr lang="en-US" dirty="0" err="1"/>
@@ -8523,7 +8547,15 @@
             </a:r>
             <a:r>
               <a:rPr lang="en-US" dirty="0"/>
-              <a:t> …. Yang </a:t>
+              <a:t> website </a:t>
+            </a:r>
+            <a:r>
+              <a:rPr lang="en-US" dirty="0" err="1"/>
+              <a:t>Kagger</a:t>
+            </a:r>
+            <a:r>
+              <a:rPr lang="en-US" dirty="0"/>
+              <a:t> yang </a:t>
             </a:r>
             <a:r>
               <a:rPr lang="en-US" dirty="0" err="1"/>
@@ -8539,15 +8571,39 @@
             </a:r>
             <a:r>
               <a:rPr lang="en-US" dirty="0"/>
+              <a:t> oleh </a:t>
+            </a:r>
+            <a:r>
+              <a:rPr lang="en-US" dirty="0" err="1"/>
+              <a:t>Muhammd</a:t>
+            </a:r>
+            <a:r>
+              <a:rPr lang="en-US" dirty="0"/>
               <a:t> </a:t>
             </a:r>
             <a:r>
               <a:rPr lang="en-US" dirty="0" err="1"/>
-              <a:t>dalam</a:t>
+              <a:t>Okky</a:t>
             </a:r>
             <a:r>
               <a:rPr lang="en-US" dirty="0"/>
-              <a:t>  ….Dimana data </a:t>
+              <a:t> dan Indra Budi </a:t>
+            </a:r>
+            <a:r>
+              <a:rPr lang="en-US" dirty="0" err="1"/>
+              <a:t>dengan</a:t>
+            </a:r>
+            <a:r>
+              <a:rPr lang="en-US" dirty="0"/>
+              <a:t> </a:t>
+            </a:r>
+            <a:r>
+              <a:rPr lang="en-US" dirty="0" err="1"/>
+              <a:t>judul</a:t>
+            </a:r>
+            <a:r>
+              <a:rPr lang="en-US" dirty="0"/>
+              <a:t> Multi-label Hate Speech and Abusive Language. Dimana data </a:t>
             </a:r>
             <a:r>
               <a:rPr lang="en-US" dirty="0" err="1"/>
@@ -9198,7 +9254,7 @@
           <p:nvPr>
             <p:extLst>
               <p:ext uri="{D42A27DB-BD31-4B8C-83A1-F6EECF244321}">
-                <p14:modId xmlns:p14="http://schemas.microsoft.com/office/powerpoint/2010/main" val="492237805"/>
+                <p14:modId xmlns:p14="http://schemas.microsoft.com/office/powerpoint/2010/main" val="457536263"/>
               </p:ext>
             </p:extLst>
           </p:nvPr>
@@ -9300,7 +9356,7 @@
                     <a:p>
                       <a:r>
                         <a:rPr lang="en-US" dirty="0" err="1"/>
-                        <a:t>Jumah</a:t>
+                        <a:t>Jumlah</a:t>
                       </a:r>
                       <a:r>
                         <a:rPr lang="en-US" dirty="0"/>
@@ -10357,7 +10413,7 @@
         </p:spPr>
         <p:txBody>
           <a:bodyPr>
-            <a:normAutofit lnSpcReduction="10000"/>
+            <a:normAutofit/>
           </a:bodyPr>
           <a:lstStyle>
             <a:lvl1pPr marL="342900" indent="-342900" algn="l" defTabSz="457200" rtl="0" eaLnBrk="1" latinLnBrk="0" hangingPunct="1">
@@ -11174,6 +11230,54 @@
                 <a:cs typeface="Montserrat"/>
                 <a:sym typeface="Montserrat"/>
               </a:rPr>
+              <a:t>saat</a:t>
+            </a:r>
+            <a:r>
+              <a:rPr lang="en-ID" sz="1200" dirty="0">
+                <a:solidFill>
+                  <a:srgbClr val="292929"/>
+                </a:solidFill>
+                <a:latin typeface="+mj-lt"/>
+                <a:ea typeface="Montserrat"/>
+                <a:cs typeface="Montserrat"/>
+                <a:sym typeface="Montserrat"/>
+              </a:rPr>
+              <a:t> </a:t>
+            </a:r>
+            <a:r>
+              <a:rPr lang="en-ID" sz="1200" dirty="0" err="1">
+                <a:solidFill>
+                  <a:srgbClr val="292929"/>
+                </a:solidFill>
+                <a:latin typeface="+mj-lt"/>
+                <a:ea typeface="Montserrat"/>
+                <a:cs typeface="Montserrat"/>
+                <a:sym typeface="Montserrat"/>
+              </a:rPr>
+              <a:t>berkomentar</a:t>
+            </a:r>
+            <a:r>
+              <a:rPr lang="en-ID" sz="1200" dirty="0">
+                <a:solidFill>
+                  <a:srgbClr val="292929"/>
+                </a:solidFill>
+                <a:latin typeface="+mj-lt"/>
+                <a:ea typeface="Montserrat"/>
+                <a:cs typeface="Montserrat"/>
+                <a:sym typeface="Montserrat"/>
+              </a:rPr>
+              <a:t> </a:t>
+            </a:r>
+            <a:r>
+              <a:rPr lang="en-ID" sz="1200" dirty="0" err="1">
+                <a:solidFill>
+                  <a:srgbClr val="292929"/>
+                </a:solidFill>
+                <a:latin typeface="+mj-lt"/>
+                <a:ea typeface="Montserrat"/>
+                <a:cs typeface="Montserrat"/>
+                <a:sym typeface="Montserrat"/>
+              </a:rPr>
               <a:t>memiliki</a:t>
             </a:r>
             <a:r>
@@ -11272,6 +11376,18 @@
               <a:buChar char="■"/>
             </a:pPr>
             <a:r>
+              <a:rPr lang="en-ID" sz="1200" dirty="0">
+                <a:solidFill>
+                  <a:srgbClr val="292929"/>
+                </a:solidFill>
+                <a:latin typeface="+mj-lt"/>
+                <a:ea typeface="Montserrat"/>
+                <a:cs typeface="Montserrat"/>
+                <a:sym typeface="Montserrat"/>
+              </a:rPr>
+              <a:t>Ada </a:t>
+            </a:r>
+            <a:r>
               <a:rPr lang="en-ID" sz="1200" dirty="0" err="1">
                 <a:solidFill>
                   <a:srgbClr val="292929"/>
@@ -11281,7 +11397,7 @@
                 <a:cs typeface="Montserrat"/>
                 <a:sym typeface="Montserrat"/>
               </a:rPr>
-              <a:t>Sentimen</a:t>
+              <a:t>sekitar</a:t>
             </a:r>
             <a:r>
               <a:rPr lang="en-ID" sz="1200" dirty="0">
@@ -11293,7 +11409,7 @@
                 <a:cs typeface="Montserrat"/>
                 <a:sym typeface="Montserrat"/>
               </a:rPr>
-              <a:t> </a:t>
+              <a:t> 8.215 kata yang </a:t>
             </a:r>
             <a:r>
               <a:rPr lang="en-ID" sz="1200" dirty="0" err="1">
@@ -11305,7 +11421,7 @@
                 <a:cs typeface="Montserrat"/>
                 <a:sym typeface="Montserrat"/>
               </a:rPr>
-              <a:t>terbanyak</a:t>
+              <a:t>disensor</a:t>
             </a:r>
             <a:r>
               <a:rPr lang="en-ID" sz="1200" dirty="0">
@@ -11317,233 +11433,8 @@
                 <a:cs typeface="Montserrat"/>
                 <a:sym typeface="Montserrat"/>
               </a:rPr>
-              <a:t> </a:t>
-            </a:r>
-            <a:r>
-              <a:rPr lang="en-ID" sz="1200" dirty="0" err="1">
-                <a:solidFill>
-                  <a:srgbClr val="292929"/>
-                </a:solidFill>
-                <a:latin typeface="+mj-lt"/>
-                <a:ea typeface="Montserrat"/>
-                <a:cs typeface="Montserrat"/>
-                <a:sym typeface="Montserrat"/>
-              </a:rPr>
-              <a:t>adalah</a:t>
-            </a:r>
-            <a:r>
-              <a:rPr lang="en-ID" sz="1200" dirty="0">
-                <a:solidFill>
-                  <a:srgbClr val="292929"/>
-                </a:solidFill>
-                <a:latin typeface="+mj-lt"/>
-                <a:ea typeface="Montserrat"/>
-                <a:cs typeface="Montserrat"/>
-                <a:sym typeface="Montserrat"/>
-              </a:rPr>
-              <a:t> </a:t>
-            </a:r>
-            <a:r>
-              <a:rPr lang="en-ID" sz="1200" dirty="0" err="1">
-                <a:solidFill>
-                  <a:srgbClr val="292929"/>
-                </a:solidFill>
-                <a:latin typeface="+mj-lt"/>
-                <a:ea typeface="Montserrat"/>
-                <a:cs typeface="Montserrat"/>
-                <a:sym typeface="Montserrat"/>
-              </a:rPr>
-              <a:t>sentimen</a:t>
-            </a:r>
-            <a:r>
-              <a:rPr lang="en-ID" sz="1200" dirty="0">
-                <a:solidFill>
-                  <a:srgbClr val="292929"/>
-                </a:solidFill>
-                <a:latin typeface="+mj-lt"/>
-                <a:ea typeface="Montserrat"/>
-                <a:cs typeface="Montserrat"/>
-                <a:sym typeface="Montserrat"/>
-              </a:rPr>
-              <a:t> </a:t>
-            </a:r>
-            <a:r>
-              <a:rPr lang="en-ID" sz="1200" dirty="0" err="1">
-                <a:solidFill>
-                  <a:srgbClr val="292929"/>
-                </a:solidFill>
-                <a:latin typeface="+mj-lt"/>
-                <a:ea typeface="Montserrat"/>
-                <a:cs typeface="Montserrat"/>
-                <a:sym typeface="Montserrat"/>
-              </a:rPr>
-              <a:t>positif</a:t>
-            </a:r>
-            <a:r>
-              <a:rPr lang="en-ID" sz="1200" dirty="0">
-                <a:solidFill>
-                  <a:srgbClr val="292929"/>
-                </a:solidFill>
-                <a:latin typeface="+mj-lt"/>
-                <a:ea typeface="Montserrat"/>
-                <a:cs typeface="Montserrat"/>
-                <a:sym typeface="Montserrat"/>
-              </a:rPr>
-              <a:t>, </a:t>
-            </a:r>
-            <a:r>
-              <a:rPr lang="en-ID" sz="1200" dirty="0" err="1">
-                <a:solidFill>
-                  <a:srgbClr val="292929"/>
-                </a:solidFill>
-                <a:latin typeface="+mj-lt"/>
-                <a:ea typeface="Montserrat"/>
-                <a:cs typeface="Montserrat"/>
-                <a:sym typeface="Montserrat"/>
-              </a:rPr>
-              <a:t>selanjutnya</a:t>
-            </a:r>
-            <a:r>
-              <a:rPr lang="en-ID" sz="1200" dirty="0">
-                <a:solidFill>
-                  <a:srgbClr val="292929"/>
-                </a:solidFill>
-                <a:latin typeface="+mj-lt"/>
-                <a:ea typeface="Montserrat"/>
-                <a:cs typeface="Montserrat"/>
-                <a:sym typeface="Montserrat"/>
-              </a:rPr>
-              <a:t> </a:t>
-            </a:r>
-            <a:r>
-              <a:rPr lang="en-ID" sz="1200" dirty="0" err="1">
-                <a:solidFill>
-                  <a:srgbClr val="292929"/>
-                </a:solidFill>
-                <a:latin typeface="+mj-lt"/>
-                <a:ea typeface="Montserrat"/>
-                <a:cs typeface="Montserrat"/>
-                <a:sym typeface="Montserrat"/>
-              </a:rPr>
-              <a:t>sentimen</a:t>
-            </a:r>
-            <a:r>
-              <a:rPr lang="en-ID" sz="1200" dirty="0">
-                <a:solidFill>
-                  <a:srgbClr val="292929"/>
-                </a:solidFill>
-                <a:latin typeface="+mj-lt"/>
-                <a:ea typeface="Montserrat"/>
-                <a:cs typeface="Montserrat"/>
-                <a:sym typeface="Montserrat"/>
-              </a:rPr>
-              <a:t> </a:t>
-            </a:r>
-            <a:r>
-              <a:rPr lang="en-ID" sz="1200" dirty="0" err="1">
-                <a:solidFill>
-                  <a:srgbClr val="292929"/>
-                </a:solidFill>
-                <a:latin typeface="+mj-lt"/>
-                <a:ea typeface="Montserrat"/>
-                <a:cs typeface="Montserrat"/>
-                <a:sym typeface="Montserrat"/>
-              </a:rPr>
-              <a:t>negatif</a:t>
-            </a:r>
-            <a:r>
-              <a:rPr lang="en-ID" sz="1200" dirty="0">
-                <a:solidFill>
-                  <a:srgbClr val="292929"/>
-                </a:solidFill>
-                <a:latin typeface="+mj-lt"/>
-                <a:ea typeface="Montserrat"/>
-                <a:cs typeface="Montserrat"/>
-                <a:sym typeface="Montserrat"/>
-              </a:rPr>
-              <a:t>, dan yang </a:t>
-            </a:r>
-            <a:r>
-              <a:rPr lang="en-ID" sz="1200" dirty="0" err="1">
-                <a:solidFill>
-                  <a:srgbClr val="292929"/>
-                </a:solidFill>
-                <a:latin typeface="+mj-lt"/>
-                <a:ea typeface="Montserrat"/>
-                <a:cs typeface="Montserrat"/>
-                <a:sym typeface="Montserrat"/>
-              </a:rPr>
-              <a:t>terakhir</a:t>
-            </a:r>
-            <a:r>
-              <a:rPr lang="en-ID" sz="1200" dirty="0">
-                <a:solidFill>
-                  <a:srgbClr val="292929"/>
-                </a:solidFill>
-                <a:latin typeface="+mj-lt"/>
-                <a:ea typeface="Montserrat"/>
-                <a:cs typeface="Montserrat"/>
-                <a:sym typeface="Montserrat"/>
-              </a:rPr>
-              <a:t> </a:t>
-            </a:r>
-            <a:r>
-              <a:rPr lang="en-ID" sz="1200" dirty="0" err="1">
-                <a:solidFill>
-                  <a:srgbClr val="292929"/>
-                </a:solidFill>
-                <a:latin typeface="+mj-lt"/>
-                <a:ea typeface="Montserrat"/>
-                <a:cs typeface="Montserrat"/>
-                <a:sym typeface="Montserrat"/>
-              </a:rPr>
-              <a:t>sentimen</a:t>
-            </a:r>
-            <a:r>
-              <a:rPr lang="en-ID" sz="1200" dirty="0">
-                <a:solidFill>
-                  <a:srgbClr val="292929"/>
-                </a:solidFill>
-                <a:latin typeface="+mj-lt"/>
-                <a:ea typeface="Montserrat"/>
-                <a:cs typeface="Montserrat"/>
-                <a:sym typeface="Montserrat"/>
-              </a:rPr>
-              <a:t> </a:t>
-            </a:r>
-            <a:r>
-              <a:rPr lang="en-ID" sz="1200" dirty="0" err="1">
-                <a:solidFill>
-                  <a:srgbClr val="292929"/>
-                </a:solidFill>
-                <a:latin typeface="+mj-lt"/>
-                <a:ea typeface="Montserrat"/>
-                <a:cs typeface="Montserrat"/>
-                <a:sym typeface="Montserrat"/>
-              </a:rPr>
-              <a:t>netral</a:t>
-            </a:r>
-            <a:r>
-              <a:rPr lang="en-ID" sz="1200" dirty="0">
-                <a:solidFill>
-                  <a:srgbClr val="292929"/>
-                </a:solidFill>
-                <a:latin typeface="+mj-lt"/>
-                <a:ea typeface="Montserrat"/>
-                <a:cs typeface="Montserrat"/>
-                <a:sym typeface="Montserrat"/>
-              </a:rPr>
               <a:t>.</a:t>
             </a:r>
-            <a:endParaRPr lang="en-ID" sz="1200" dirty="0">
-              <a:solidFill>
-                <a:schemeClr val="dk1"/>
-              </a:solidFill>
-              <a:latin typeface="+mj-lt"/>
-              <a:ea typeface="Montserrat"/>
-              <a:cs typeface="Montserrat"/>
-              <a:sym typeface="Montserrat"/>
-            </a:endParaRPr>
           </a:p>
           <a:p>
             <a:pPr marL="1371600" lvl="2" indent="-298450">
@@ -11570,7 +11461,7 @@
                 <a:cs typeface="Montserrat"/>
                 <a:sym typeface="Montserrat"/>
               </a:rPr>
-              <a:t>Total </a:t>
+              <a:t>Pada </a:t>
             </a:r>
             <a:r>
               <a:rPr lang="en-ID" sz="1200" dirty="0" err="1">
@@ -11582,6 +11473,434 @@
                 <a:cs typeface="Montserrat"/>
                 <a:sym typeface="Montserrat"/>
               </a:rPr>
+              <a:t>saat</a:t>
+            </a:r>
+            <a:r>
+              <a:rPr lang="en-ID" sz="1200" dirty="0">
+                <a:solidFill>
+                  <a:srgbClr val="292929"/>
+                </a:solidFill>
+                <a:latin typeface="+mj-lt"/>
+                <a:ea typeface="Montserrat"/>
+                <a:cs typeface="Montserrat"/>
+                <a:sym typeface="Montserrat"/>
+              </a:rPr>
+              <a:t> </a:t>
+            </a:r>
+            <a:r>
+              <a:rPr lang="en-ID" sz="1200" dirty="0" err="1">
+                <a:solidFill>
+                  <a:srgbClr val="292929"/>
+                </a:solidFill>
+                <a:latin typeface="+mj-lt"/>
+                <a:ea typeface="Montserrat"/>
+                <a:cs typeface="Montserrat"/>
+                <a:sym typeface="Montserrat"/>
+              </a:rPr>
+              <a:t>berkomentar</a:t>
+            </a:r>
+            <a:r>
+              <a:rPr lang="en-ID" sz="1200" dirty="0">
+                <a:solidFill>
+                  <a:srgbClr val="292929"/>
+                </a:solidFill>
+                <a:latin typeface="+mj-lt"/>
+                <a:ea typeface="Montserrat"/>
+                <a:cs typeface="Montserrat"/>
+                <a:sym typeface="Montserrat"/>
+              </a:rPr>
+              <a:t>, kata yang </a:t>
+            </a:r>
+            <a:r>
+              <a:rPr lang="en-ID" sz="1200" dirty="0" err="1">
+                <a:solidFill>
+                  <a:srgbClr val="292929"/>
+                </a:solidFill>
+                <a:latin typeface="+mj-lt"/>
+                <a:ea typeface="Montserrat"/>
+                <a:cs typeface="Montserrat"/>
+                <a:sym typeface="Montserrat"/>
+              </a:rPr>
+              <a:t>sering</a:t>
+            </a:r>
+            <a:r>
+              <a:rPr lang="en-ID" sz="1200" dirty="0">
+                <a:solidFill>
+                  <a:srgbClr val="292929"/>
+                </a:solidFill>
+                <a:latin typeface="+mj-lt"/>
+                <a:ea typeface="Montserrat"/>
+                <a:cs typeface="Montserrat"/>
+                <a:sym typeface="Montserrat"/>
+              </a:rPr>
+              <a:t> </a:t>
+            </a:r>
+            <a:r>
+              <a:rPr lang="en-ID" sz="1200" dirty="0" err="1">
+                <a:solidFill>
+                  <a:srgbClr val="292929"/>
+                </a:solidFill>
+                <a:latin typeface="+mj-lt"/>
+                <a:ea typeface="Montserrat"/>
+                <a:cs typeface="Montserrat"/>
+                <a:sym typeface="Montserrat"/>
+              </a:rPr>
+              <a:t>muncul</a:t>
+            </a:r>
+            <a:r>
+              <a:rPr lang="en-ID" sz="1200" dirty="0">
+                <a:solidFill>
+                  <a:srgbClr val="292929"/>
+                </a:solidFill>
+                <a:latin typeface="+mj-lt"/>
+                <a:ea typeface="Montserrat"/>
+                <a:cs typeface="Montserrat"/>
+                <a:sym typeface="Montserrat"/>
+              </a:rPr>
+              <a:t> </a:t>
+            </a:r>
+            <a:r>
+              <a:rPr lang="en-ID" sz="1200" dirty="0" err="1">
+                <a:solidFill>
+                  <a:srgbClr val="292929"/>
+                </a:solidFill>
+                <a:latin typeface="+mj-lt"/>
+                <a:ea typeface="Montserrat"/>
+                <a:cs typeface="Montserrat"/>
+                <a:sym typeface="Montserrat"/>
+              </a:rPr>
+              <a:t>adalah</a:t>
+            </a:r>
+            <a:r>
+              <a:rPr lang="en-ID" sz="1200" dirty="0">
+                <a:solidFill>
+                  <a:srgbClr val="292929"/>
+                </a:solidFill>
+                <a:latin typeface="+mj-lt"/>
+                <a:ea typeface="Montserrat"/>
+                <a:cs typeface="Montserrat"/>
+                <a:sym typeface="Montserrat"/>
+              </a:rPr>
+              <a:t> “</a:t>
+            </a:r>
+            <a:r>
+              <a:rPr lang="en-ID" sz="1200" dirty="0" err="1">
+                <a:solidFill>
+                  <a:srgbClr val="292929"/>
+                </a:solidFill>
+                <a:latin typeface="+mj-lt"/>
+                <a:ea typeface="Montserrat"/>
+                <a:cs typeface="Montserrat"/>
+                <a:sym typeface="Montserrat"/>
+              </a:rPr>
+              <a:t>yang”,”dan</a:t>
+            </a:r>
+            <a:r>
+              <a:rPr lang="en-ID" sz="1200" dirty="0">
+                <a:solidFill>
+                  <a:srgbClr val="292929"/>
+                </a:solidFill>
+                <a:latin typeface="+mj-lt"/>
+                <a:ea typeface="Montserrat"/>
+                <a:cs typeface="Montserrat"/>
+                <a:sym typeface="Montserrat"/>
+              </a:rPr>
+              <a:t>” </a:t>
+            </a:r>
+            <a:r>
+              <a:rPr lang="en-ID" sz="1200" dirty="0" err="1">
+                <a:solidFill>
+                  <a:srgbClr val="292929"/>
+                </a:solidFill>
+                <a:latin typeface="+mj-lt"/>
+                <a:ea typeface="Montserrat"/>
+                <a:cs typeface="Montserrat"/>
+                <a:sym typeface="Montserrat"/>
+              </a:rPr>
+              <a:t>sedang</a:t>
+            </a:r>
+            <a:r>
+              <a:rPr lang="en-ID" sz="1200" dirty="0">
+                <a:solidFill>
+                  <a:srgbClr val="292929"/>
+                </a:solidFill>
+                <a:latin typeface="+mj-lt"/>
+                <a:ea typeface="Montserrat"/>
+                <a:cs typeface="Montserrat"/>
+                <a:sym typeface="Montserrat"/>
+              </a:rPr>
+              <a:t> </a:t>
+            </a:r>
+            <a:r>
+              <a:rPr lang="en-ID" sz="1200" dirty="0" err="1">
+                <a:solidFill>
+                  <a:srgbClr val="292929"/>
+                </a:solidFill>
+                <a:latin typeface="+mj-lt"/>
+                <a:ea typeface="Montserrat"/>
+                <a:cs typeface="Montserrat"/>
+                <a:sym typeface="Montserrat"/>
+              </a:rPr>
+              <a:t>kan</a:t>
+            </a:r>
+            <a:r>
+              <a:rPr lang="en-ID" sz="1200" dirty="0">
+                <a:solidFill>
+                  <a:srgbClr val="292929"/>
+                </a:solidFill>
+                <a:latin typeface="+mj-lt"/>
+                <a:ea typeface="Montserrat"/>
+                <a:cs typeface="Montserrat"/>
+                <a:sym typeface="Montserrat"/>
+              </a:rPr>
+              <a:t> </a:t>
+            </a:r>
+            <a:r>
+              <a:rPr lang="en-ID" sz="1200" dirty="0" err="1">
+                <a:solidFill>
+                  <a:srgbClr val="292929"/>
+                </a:solidFill>
+                <a:latin typeface="+mj-lt"/>
+                <a:ea typeface="Montserrat"/>
+                <a:cs typeface="Montserrat"/>
+                <a:sym typeface="Montserrat"/>
+              </a:rPr>
+              <a:t>untuk</a:t>
+            </a:r>
+            <a:r>
+              <a:rPr lang="en-ID" sz="1200" dirty="0">
+                <a:solidFill>
+                  <a:srgbClr val="292929"/>
+                </a:solidFill>
+                <a:latin typeface="+mj-lt"/>
+                <a:ea typeface="Montserrat"/>
+                <a:cs typeface="Montserrat"/>
+                <a:sym typeface="Montserrat"/>
+              </a:rPr>
+              <a:t> kata “</a:t>
+            </a:r>
+            <a:r>
+              <a:rPr lang="en-ID" sz="1200" dirty="0" err="1">
+                <a:solidFill>
+                  <a:srgbClr val="292929"/>
+                </a:solidFill>
+                <a:latin typeface="+mj-lt"/>
+                <a:ea typeface="Montserrat"/>
+                <a:cs typeface="Montserrat"/>
+                <a:sym typeface="Montserrat"/>
+              </a:rPr>
+              <a:t>pengguna</a:t>
+            </a:r>
+            <a:r>
+              <a:rPr lang="en-ID" sz="1200" dirty="0">
+                <a:solidFill>
+                  <a:srgbClr val="292929"/>
+                </a:solidFill>
+                <a:latin typeface="+mj-lt"/>
+                <a:ea typeface="Montserrat"/>
+                <a:cs typeface="Montserrat"/>
+                <a:sym typeface="Montserrat"/>
+              </a:rPr>
+              <a:t>” </a:t>
+            </a:r>
+            <a:r>
+              <a:rPr lang="en-ID" sz="1200" dirty="0" err="1">
+                <a:solidFill>
+                  <a:srgbClr val="292929"/>
+                </a:solidFill>
+                <a:latin typeface="+mj-lt"/>
+                <a:ea typeface="Montserrat"/>
+                <a:cs typeface="Montserrat"/>
+                <a:sym typeface="Montserrat"/>
+              </a:rPr>
+              <a:t>adalah</a:t>
+            </a:r>
+            <a:r>
+              <a:rPr lang="en-ID" sz="1200" dirty="0">
+                <a:solidFill>
+                  <a:srgbClr val="292929"/>
+                </a:solidFill>
+                <a:latin typeface="+mj-lt"/>
+                <a:ea typeface="Montserrat"/>
+                <a:cs typeface="Montserrat"/>
+                <a:sym typeface="Montserrat"/>
+              </a:rPr>
+              <a:t> </a:t>
+            </a:r>
+            <a:r>
+              <a:rPr lang="en-ID" sz="1200" dirty="0" err="1">
+                <a:solidFill>
+                  <a:srgbClr val="292929"/>
+                </a:solidFill>
+                <a:latin typeface="+mj-lt"/>
+                <a:ea typeface="Montserrat"/>
+                <a:cs typeface="Montserrat"/>
+                <a:sym typeface="Montserrat"/>
+              </a:rPr>
+              <a:t>subjek</a:t>
+            </a:r>
+            <a:r>
+              <a:rPr lang="en-ID" sz="1200" dirty="0">
+                <a:solidFill>
+                  <a:srgbClr val="292929"/>
+                </a:solidFill>
+                <a:latin typeface="+mj-lt"/>
+                <a:ea typeface="Montserrat"/>
+                <a:cs typeface="Montserrat"/>
+                <a:sym typeface="Montserrat"/>
+              </a:rPr>
+              <a:t> yang </a:t>
+            </a:r>
+            <a:r>
+              <a:rPr lang="en-ID" sz="1200" dirty="0" err="1">
+                <a:solidFill>
+                  <a:srgbClr val="292929"/>
+                </a:solidFill>
+                <a:latin typeface="+mj-lt"/>
+                <a:ea typeface="Montserrat"/>
+                <a:cs typeface="Montserrat"/>
+                <a:sym typeface="Montserrat"/>
+              </a:rPr>
+              <a:t>berkomentar</a:t>
+            </a:r>
+            <a:r>
+              <a:rPr lang="en-ID" sz="1200" dirty="0">
+                <a:solidFill>
+                  <a:srgbClr val="292929"/>
+                </a:solidFill>
+                <a:latin typeface="+mj-lt"/>
+                <a:ea typeface="Montserrat"/>
+                <a:cs typeface="Montserrat"/>
+                <a:sym typeface="Montserrat"/>
+              </a:rPr>
+              <a:t>.</a:t>
+            </a:r>
+            <a:endParaRPr lang="en-ID" sz="1200" dirty="0">
+              <a:solidFill>
+                <a:schemeClr val="dk1"/>
+              </a:solidFill>
+              <a:latin typeface="+mj-lt"/>
+              <a:ea typeface="Montserrat"/>
+              <a:cs typeface="Montserrat"/>
+              <a:sym typeface="Montserrat"/>
+            </a:endParaRPr>
+          </a:p>
+          <a:p>
+            <a:pPr marL="457200" indent="-298450">
+              <a:lnSpc>
+                <a:spcPct val="115000"/>
+              </a:lnSpc>
+              <a:buSzPts val="1100"/>
+              <a:buFont typeface="Montserrat"/>
+              <a:buChar char="●"/>
+            </a:pPr>
+            <a:r>
+              <a:rPr lang="en-ID" sz="1200" dirty="0">
+                <a:latin typeface="+mj-lt"/>
+                <a:ea typeface="Montserrat"/>
+                <a:cs typeface="Montserrat"/>
+                <a:sym typeface="Montserrat"/>
+              </a:rPr>
+              <a:t>Bivariate Analysis</a:t>
+            </a:r>
+          </a:p>
+          <a:p>
+            <a:pPr marL="914400" lvl="1" indent="-298450">
+              <a:lnSpc>
+                <a:spcPct val="135714"/>
+              </a:lnSpc>
+              <a:spcBef>
+                <a:spcPts val="0"/>
+              </a:spcBef>
+              <a:buClr>
+                <a:srgbClr val="292929"/>
+              </a:buClr>
+              <a:buSzPts val="1100"/>
+              <a:buFont typeface="Montserrat"/>
+              <a:buChar char="○"/>
+            </a:pPr>
+            <a:r>
+              <a:rPr lang="en-ID" sz="1200" dirty="0" err="1">
+                <a:solidFill>
+                  <a:srgbClr val="292929"/>
+                </a:solidFill>
+                <a:latin typeface="+mj-lt"/>
+                <a:ea typeface="Montserrat"/>
+                <a:cs typeface="Montserrat"/>
+                <a:sym typeface="Montserrat"/>
+              </a:rPr>
+              <a:t>Dalam</a:t>
+            </a:r>
+            <a:r>
+              <a:rPr lang="en-ID" sz="1200" dirty="0">
+                <a:solidFill>
+                  <a:srgbClr val="292929"/>
+                </a:solidFill>
+                <a:latin typeface="+mj-lt"/>
+                <a:ea typeface="Montserrat"/>
+                <a:cs typeface="Montserrat"/>
+                <a:sym typeface="Montserrat"/>
+              </a:rPr>
+              <a:t> Descriptive Statistic </a:t>
+            </a:r>
+            <a:r>
+              <a:rPr lang="en-ID" sz="1200" dirty="0" err="1">
+                <a:solidFill>
+                  <a:srgbClr val="292929"/>
+                </a:solidFill>
+                <a:latin typeface="+mj-lt"/>
+                <a:ea typeface="Montserrat"/>
+                <a:cs typeface="Montserrat"/>
+                <a:sym typeface="Montserrat"/>
+              </a:rPr>
+              <a:t>menunjukkan</a:t>
+            </a:r>
+            <a:r>
+              <a:rPr lang="en-ID" sz="1200" dirty="0">
+                <a:solidFill>
+                  <a:srgbClr val="292929"/>
+                </a:solidFill>
+                <a:latin typeface="+mj-lt"/>
+                <a:ea typeface="Montserrat"/>
+                <a:cs typeface="Montserrat"/>
+                <a:sym typeface="Montserrat"/>
+              </a:rPr>
+              <a:t> </a:t>
+            </a:r>
+            <a:r>
+              <a:rPr lang="en-ID" sz="1200" dirty="0" err="1">
+                <a:solidFill>
+                  <a:srgbClr val="292929"/>
+                </a:solidFill>
+                <a:latin typeface="+mj-lt"/>
+                <a:ea typeface="Montserrat"/>
+                <a:cs typeface="Montserrat"/>
+                <a:sym typeface="Montserrat"/>
+              </a:rPr>
+              <a:t>variabel</a:t>
+            </a:r>
+            <a:r>
+              <a:rPr lang="en-ID" sz="1200" dirty="0">
+                <a:solidFill>
+                  <a:srgbClr val="292929"/>
+                </a:solidFill>
+                <a:latin typeface="+mj-lt"/>
+                <a:ea typeface="Montserrat"/>
+                <a:cs typeface="Montserrat"/>
+                <a:sym typeface="Montserrat"/>
+              </a:rPr>
+              <a:t> total </a:t>
+            </a:r>
+            <a:r>
+              <a:rPr lang="en-ID" sz="1200" dirty="0" err="1">
+                <a:solidFill>
+                  <a:srgbClr val="292929"/>
+                </a:solidFill>
+                <a:latin typeface="+mj-lt"/>
+                <a:ea typeface="Montserrat"/>
+                <a:cs typeface="Montserrat"/>
+                <a:sym typeface="Montserrat"/>
+              </a:rPr>
               <a:t>karakter</a:t>
             </a:r>
             <a:r>
@@ -11594,7 +11913,7 @@
                 <a:cs typeface="Montserrat"/>
                 <a:sym typeface="Montserrat"/>
               </a:rPr>
-              <a:t> dan kata yang paling </a:t>
+              <a:t> dan total kata </a:t>
             </a:r>
             <a:r>
               <a:rPr lang="en-ID" sz="1200" dirty="0" err="1">
@@ -11606,7 +11925,7 @@
                 <a:cs typeface="Montserrat"/>
                 <a:sym typeface="Montserrat"/>
               </a:rPr>
-              <a:t>banyak</a:t>
+              <a:t>memiliki</a:t>
             </a:r>
             <a:r>
               <a:rPr lang="en-ID" sz="1200" dirty="0">
@@ -11630,7 +11949,7 @@
                 <a:cs typeface="Montserrat"/>
                 <a:sym typeface="Montserrat"/>
               </a:rPr>
-              <a:t>adalah</a:t>
+              <a:t>korelasi</a:t>
             </a:r>
             <a:r>
               <a:rPr lang="en-ID" sz="1200" dirty="0">
@@ -11654,7 +11973,7 @@
                 <a:cs typeface="Montserrat"/>
                 <a:sym typeface="Montserrat"/>
               </a:rPr>
-              <a:t>sentimen</a:t>
+              <a:t>positif</a:t>
             </a:r>
             <a:r>
               <a:rPr lang="en-ID" sz="1200" dirty="0">
@@ -11666,6 +11985,46 @@
                 <a:cs typeface="Montserrat"/>
                 <a:sym typeface="Montserrat"/>
               </a:rPr>
+              <a:t>.</a:t>
+            </a:r>
+          </a:p>
+          <a:p>
+            <a:pPr marL="914400" lvl="1" indent="-298450">
+              <a:lnSpc>
+                <a:spcPct val="135714"/>
+              </a:lnSpc>
+              <a:spcBef>
+                <a:spcPts val="0"/>
+              </a:spcBef>
+              <a:buClr>
+                <a:srgbClr val="292929"/>
+              </a:buClr>
+              <a:buSzPts val="1100"/>
+              <a:buFont typeface="Montserrat"/>
+              <a:buChar char="○"/>
+            </a:pPr>
+            <a:r>
+              <a:rPr lang="en-ID" sz="1200" dirty="0" err="1">
+                <a:solidFill>
+                  <a:srgbClr val="292929"/>
+                </a:solidFill>
+                <a:latin typeface="+mj-lt"/>
+                <a:ea typeface="Montserrat"/>
+                <a:cs typeface="Montserrat"/>
+                <a:sym typeface="Montserrat"/>
+              </a:rPr>
+              <a:t>Dalam</a:t>
+            </a:r>
+            <a:r>
+              <a:rPr lang="en-ID" sz="1200" dirty="0">
+                <a:solidFill>
+                  <a:srgbClr val="292929"/>
+                </a:solidFill>
+                <a:latin typeface="+mj-lt"/>
+                <a:ea typeface="Montserrat"/>
+                <a:cs typeface="Montserrat"/>
+                <a:sym typeface="Montserrat"/>
+              </a:rPr>
               <a:t> </a:t>
             </a:r>
             <a:r>
@@ -11678,7 +12037,7 @@
                 <a:cs typeface="Montserrat"/>
                 <a:sym typeface="Montserrat"/>
               </a:rPr>
-              <a:t>positif</a:t>
+              <a:t>visualisasi</a:t>
             </a:r>
             <a:r>
               <a:rPr lang="en-ID" sz="1200" dirty="0">
@@ -11702,7 +12061,7 @@
                 <a:cs typeface="Montserrat"/>
                 <a:sym typeface="Montserrat"/>
               </a:rPr>
-              <a:t>yakni</a:t>
+              <a:t>menunjukkan</a:t>
             </a:r>
             <a:r>
               <a:rPr lang="en-ID" sz="1200" dirty="0">
@@ -11714,31 +12073,7 @@
                 <a:cs typeface="Montserrat"/>
                 <a:sym typeface="Montserrat"/>
               </a:rPr>
-              <a:t> 200-400 </a:t>
-            </a:r>
-            <a:r>
-              <a:rPr lang="en-ID" sz="1200" dirty="0" err="1">
-                <a:solidFill>
-                  <a:srgbClr val="292929"/>
-                </a:solidFill>
-                <a:latin typeface="+mj-lt"/>
-                <a:ea typeface="Montserrat"/>
-                <a:cs typeface="Montserrat"/>
-                <a:sym typeface="Montserrat"/>
-              </a:rPr>
-              <a:t>karakter</a:t>
-            </a:r>
-            <a:r>
-              <a:rPr lang="en-ID" sz="1200" dirty="0">
-                <a:solidFill>
-                  <a:srgbClr val="292929"/>
-                </a:solidFill>
-                <a:latin typeface="+mj-lt"/>
-                <a:ea typeface="Montserrat"/>
-                <a:cs typeface="Montserrat"/>
-                <a:sym typeface="Montserrat"/>
-              </a:rPr>
-              <a:t> dan 30-70 kata.</a:t>
+              <a:t>:</a:t>
             </a:r>
           </a:p>
           <a:p>
@@ -11757,550 +12092,6 @@
               <a:buChar char="■"/>
             </a:pPr>
             <a:r>
-              <a:rPr lang="en-ID" sz="1200" dirty="0">
-                <a:solidFill>
-                  <a:srgbClr val="292929"/>
-                </a:solidFill>
-                <a:latin typeface="+mj-lt"/>
-                <a:ea typeface="Montserrat"/>
-                <a:cs typeface="Montserrat"/>
-                <a:sym typeface="Montserrat"/>
-              </a:rPr>
-              <a:t>Pada </a:t>
-            </a:r>
-            <a:r>
-              <a:rPr lang="en-ID" sz="1200" dirty="0" err="1">
-                <a:solidFill>
-                  <a:srgbClr val="292929"/>
-                </a:solidFill>
-                <a:latin typeface="+mj-lt"/>
-                <a:ea typeface="Montserrat"/>
-                <a:cs typeface="Montserrat"/>
-                <a:sym typeface="Montserrat"/>
-              </a:rPr>
-              <a:t>sentimen</a:t>
-            </a:r>
-            <a:r>
-              <a:rPr lang="en-ID" sz="1200" dirty="0">
-                <a:solidFill>
-                  <a:srgbClr val="292929"/>
-                </a:solidFill>
-                <a:latin typeface="+mj-lt"/>
-                <a:ea typeface="Montserrat"/>
-                <a:cs typeface="Montserrat"/>
-                <a:sym typeface="Montserrat"/>
-              </a:rPr>
-              <a:t> </a:t>
-            </a:r>
-            <a:r>
-              <a:rPr lang="en-ID" sz="1200" dirty="0" err="1">
-                <a:solidFill>
-                  <a:srgbClr val="292929"/>
-                </a:solidFill>
-                <a:latin typeface="+mj-lt"/>
-                <a:ea typeface="Montserrat"/>
-                <a:cs typeface="Montserrat"/>
-                <a:sym typeface="Montserrat"/>
-              </a:rPr>
-              <a:t>positif</a:t>
-            </a:r>
-            <a:r>
-              <a:rPr lang="en-ID" sz="1200" dirty="0">
-                <a:solidFill>
-                  <a:srgbClr val="292929"/>
-                </a:solidFill>
-                <a:latin typeface="+mj-lt"/>
-                <a:ea typeface="Montserrat"/>
-                <a:cs typeface="Montserrat"/>
-                <a:sym typeface="Montserrat"/>
-              </a:rPr>
-              <a:t>, kata yang </a:t>
-            </a:r>
-            <a:r>
-              <a:rPr lang="en-ID" sz="1200" dirty="0" err="1">
-                <a:solidFill>
-                  <a:srgbClr val="292929"/>
-                </a:solidFill>
-                <a:latin typeface="+mj-lt"/>
-                <a:ea typeface="Montserrat"/>
-                <a:cs typeface="Montserrat"/>
-                <a:sym typeface="Montserrat"/>
-              </a:rPr>
-              <a:t>sering</a:t>
-            </a:r>
-            <a:r>
-              <a:rPr lang="en-ID" sz="1200" dirty="0">
-                <a:solidFill>
-                  <a:srgbClr val="292929"/>
-                </a:solidFill>
-                <a:latin typeface="+mj-lt"/>
-                <a:ea typeface="Montserrat"/>
-                <a:cs typeface="Montserrat"/>
-                <a:sym typeface="Montserrat"/>
-              </a:rPr>
-              <a:t> </a:t>
-            </a:r>
-            <a:r>
-              <a:rPr lang="en-ID" sz="1200" dirty="0" err="1">
-                <a:solidFill>
-                  <a:srgbClr val="292929"/>
-                </a:solidFill>
-                <a:latin typeface="+mj-lt"/>
-                <a:ea typeface="Montserrat"/>
-                <a:cs typeface="Montserrat"/>
-                <a:sym typeface="Montserrat"/>
-              </a:rPr>
-              <a:t>muncul</a:t>
-            </a:r>
-            <a:r>
-              <a:rPr lang="en-ID" sz="1200" dirty="0">
-                <a:solidFill>
-                  <a:srgbClr val="292929"/>
-                </a:solidFill>
-                <a:latin typeface="+mj-lt"/>
-                <a:ea typeface="Montserrat"/>
-                <a:cs typeface="Montserrat"/>
-                <a:sym typeface="Montserrat"/>
-              </a:rPr>
-              <a:t> </a:t>
-            </a:r>
-            <a:r>
-              <a:rPr lang="en-ID" sz="1200" dirty="0" err="1">
-                <a:solidFill>
-                  <a:srgbClr val="292929"/>
-                </a:solidFill>
-                <a:latin typeface="+mj-lt"/>
-                <a:ea typeface="Montserrat"/>
-                <a:cs typeface="Montserrat"/>
-                <a:sym typeface="Montserrat"/>
-              </a:rPr>
-              <a:t>adalah</a:t>
-            </a:r>
-            <a:r>
-              <a:rPr lang="en-ID" sz="1200" dirty="0">
-                <a:solidFill>
-                  <a:srgbClr val="292929"/>
-                </a:solidFill>
-                <a:latin typeface="+mj-lt"/>
-                <a:ea typeface="Montserrat"/>
-                <a:cs typeface="Montserrat"/>
-                <a:sym typeface="Montserrat"/>
-              </a:rPr>
-              <a:t> "dan", "di", "</a:t>
-            </a:r>
-            <a:r>
-              <a:rPr lang="en-ID" sz="1200" dirty="0" err="1">
-                <a:solidFill>
-                  <a:srgbClr val="292929"/>
-                </a:solidFill>
-                <a:latin typeface="+mj-lt"/>
-                <a:ea typeface="Montserrat"/>
-                <a:cs typeface="Montserrat"/>
-                <a:sym typeface="Montserrat"/>
-              </a:rPr>
-              <a:t>sini</a:t>
-            </a:r>
-            <a:r>
-              <a:rPr lang="en-ID" sz="1200" dirty="0">
-                <a:solidFill>
-                  <a:srgbClr val="292929"/>
-                </a:solidFill>
-                <a:latin typeface="+mj-lt"/>
-                <a:ea typeface="Montserrat"/>
-                <a:cs typeface="Montserrat"/>
-                <a:sym typeface="Montserrat"/>
-              </a:rPr>
-              <a:t>", "</a:t>
-            </a:r>
-            <a:r>
-              <a:rPr lang="en-ID" sz="1200" dirty="0" err="1">
-                <a:solidFill>
-                  <a:srgbClr val="292929"/>
-                </a:solidFill>
-                <a:latin typeface="+mj-lt"/>
-                <a:ea typeface="Montserrat"/>
-                <a:cs typeface="Montserrat"/>
-                <a:sym typeface="Montserrat"/>
-              </a:rPr>
-              <a:t>tempat</a:t>
-            </a:r>
-            <a:r>
-              <a:rPr lang="en-ID" sz="1200" dirty="0">
-                <a:solidFill>
-                  <a:srgbClr val="292929"/>
-                </a:solidFill>
-                <a:latin typeface="+mj-lt"/>
-                <a:ea typeface="Montserrat"/>
-                <a:cs typeface="Montserrat"/>
-                <a:sym typeface="Montserrat"/>
-              </a:rPr>
-              <a:t>", "</a:t>
-            </a:r>
-            <a:r>
-              <a:rPr lang="en-ID" sz="1200" dirty="0" err="1">
-                <a:solidFill>
-                  <a:srgbClr val="292929"/>
-                </a:solidFill>
-                <a:latin typeface="+mj-lt"/>
-                <a:ea typeface="Montserrat"/>
-                <a:cs typeface="Montserrat"/>
-                <a:sym typeface="Montserrat"/>
-              </a:rPr>
-              <a:t>nya</a:t>
-            </a:r>
-            <a:r>
-              <a:rPr lang="en-ID" sz="1200" dirty="0">
-                <a:solidFill>
-                  <a:srgbClr val="292929"/>
-                </a:solidFill>
-                <a:latin typeface="+mj-lt"/>
-                <a:ea typeface="Montserrat"/>
-                <a:cs typeface="Montserrat"/>
-                <a:sym typeface="Montserrat"/>
-              </a:rPr>
-              <a:t>", dan "</a:t>
-            </a:r>
-            <a:r>
-              <a:rPr lang="en-ID" sz="1200" dirty="0" err="1">
-                <a:solidFill>
-                  <a:srgbClr val="292929"/>
-                </a:solidFill>
-                <a:latin typeface="+mj-lt"/>
-                <a:ea typeface="Montserrat"/>
-                <a:cs typeface="Montserrat"/>
-                <a:sym typeface="Montserrat"/>
-              </a:rPr>
-              <a:t>enak</a:t>
-            </a:r>
-            <a:r>
-              <a:rPr lang="en-ID" sz="1200" dirty="0">
-                <a:solidFill>
-                  <a:srgbClr val="292929"/>
-                </a:solidFill>
-                <a:latin typeface="+mj-lt"/>
-                <a:ea typeface="Montserrat"/>
-                <a:cs typeface="Montserrat"/>
-                <a:sym typeface="Montserrat"/>
-              </a:rPr>
-              <a:t>".</a:t>
-            </a:r>
-            <a:endParaRPr lang="en-ID" sz="1200" dirty="0">
-              <a:solidFill>
-                <a:schemeClr val="dk1"/>
-              </a:solidFill>
-              <a:latin typeface="+mj-lt"/>
-              <a:ea typeface="Montserrat"/>
-              <a:cs typeface="Montserrat"/>
-              <a:sym typeface="Montserrat"/>
-            </a:endParaRPr>
-          </a:p>
-          <a:p>
-            <a:pPr marL="457200" indent="-298450">
-              <a:lnSpc>
-                <a:spcPct val="115000"/>
-              </a:lnSpc>
-              <a:buSzPts val="1100"/>
-              <a:buFont typeface="Montserrat"/>
-              <a:buChar char="●"/>
-            </a:pPr>
-            <a:r>
-              <a:rPr lang="en-ID" sz="1200" dirty="0">
-                <a:latin typeface="+mj-lt"/>
-                <a:ea typeface="Montserrat"/>
-                <a:cs typeface="Montserrat"/>
-                <a:sym typeface="Montserrat"/>
-              </a:rPr>
-              <a:t>Bivariate Analysis</a:t>
-            </a:r>
-          </a:p>
-          <a:p>
-            <a:pPr marL="914400" lvl="1" indent="-298450">
-              <a:lnSpc>
-                <a:spcPct val="135714"/>
-              </a:lnSpc>
-              <a:spcBef>
-                <a:spcPts val="0"/>
-              </a:spcBef>
-              <a:buClr>
-                <a:srgbClr val="292929"/>
-              </a:buClr>
-              <a:buSzPts val="1100"/>
-              <a:buFont typeface="Montserrat"/>
-              <a:buChar char="○"/>
-            </a:pPr>
-            <a:r>
-              <a:rPr lang="en-ID" sz="1200" dirty="0" err="1">
-                <a:solidFill>
-                  <a:srgbClr val="292929"/>
-                </a:solidFill>
-                <a:latin typeface="+mj-lt"/>
-                <a:ea typeface="Montserrat"/>
-                <a:cs typeface="Montserrat"/>
-                <a:sym typeface="Montserrat"/>
-              </a:rPr>
-              <a:t>Dalam</a:t>
-            </a:r>
-            <a:r>
-              <a:rPr lang="en-ID" sz="1200" dirty="0">
-                <a:solidFill>
-                  <a:srgbClr val="292929"/>
-                </a:solidFill>
-                <a:latin typeface="+mj-lt"/>
-                <a:ea typeface="Montserrat"/>
-                <a:cs typeface="Montserrat"/>
-                <a:sym typeface="Montserrat"/>
-              </a:rPr>
-              <a:t> Descriptive Statistic </a:t>
-            </a:r>
-            <a:r>
-              <a:rPr lang="en-ID" sz="1200" dirty="0" err="1">
-                <a:solidFill>
-                  <a:srgbClr val="292929"/>
-                </a:solidFill>
-                <a:latin typeface="+mj-lt"/>
-                <a:ea typeface="Montserrat"/>
-                <a:cs typeface="Montserrat"/>
-                <a:sym typeface="Montserrat"/>
-              </a:rPr>
-              <a:t>menunjukkan</a:t>
-            </a:r>
-            <a:r>
-              <a:rPr lang="en-ID" sz="1200" dirty="0">
-                <a:solidFill>
-                  <a:srgbClr val="292929"/>
-                </a:solidFill>
-                <a:latin typeface="+mj-lt"/>
-                <a:ea typeface="Montserrat"/>
-                <a:cs typeface="Montserrat"/>
-                <a:sym typeface="Montserrat"/>
-              </a:rPr>
-              <a:t> </a:t>
-            </a:r>
-            <a:r>
-              <a:rPr lang="en-ID" sz="1200" dirty="0" err="1">
-                <a:solidFill>
-                  <a:srgbClr val="292929"/>
-                </a:solidFill>
-                <a:latin typeface="+mj-lt"/>
-                <a:ea typeface="Montserrat"/>
-                <a:cs typeface="Montserrat"/>
-                <a:sym typeface="Montserrat"/>
-              </a:rPr>
-              <a:t>variabel</a:t>
-            </a:r>
-            <a:r>
-              <a:rPr lang="en-ID" sz="1200" dirty="0">
-                <a:solidFill>
-                  <a:srgbClr val="292929"/>
-                </a:solidFill>
-                <a:latin typeface="+mj-lt"/>
-                <a:ea typeface="Montserrat"/>
-                <a:cs typeface="Montserrat"/>
-                <a:sym typeface="Montserrat"/>
-              </a:rPr>
-              <a:t> total </a:t>
-            </a:r>
-            <a:r>
-              <a:rPr lang="en-ID" sz="1200" dirty="0" err="1">
-                <a:solidFill>
-                  <a:srgbClr val="292929"/>
-                </a:solidFill>
-                <a:latin typeface="+mj-lt"/>
-                <a:ea typeface="Montserrat"/>
-                <a:cs typeface="Montserrat"/>
-                <a:sym typeface="Montserrat"/>
-              </a:rPr>
-              <a:t>karakter</a:t>
-            </a:r>
-            <a:r>
-              <a:rPr lang="en-ID" sz="1200" dirty="0">
-                <a:solidFill>
-                  <a:srgbClr val="292929"/>
-                </a:solidFill>
-                <a:latin typeface="+mj-lt"/>
-                <a:ea typeface="Montserrat"/>
-                <a:cs typeface="Montserrat"/>
-                <a:sym typeface="Montserrat"/>
-              </a:rPr>
-              <a:t> dan total kata </a:t>
-            </a:r>
-            <a:r>
-              <a:rPr lang="en-ID" sz="1200" dirty="0" err="1">
-                <a:solidFill>
-                  <a:srgbClr val="292929"/>
-                </a:solidFill>
-                <a:latin typeface="+mj-lt"/>
-                <a:ea typeface="Montserrat"/>
-                <a:cs typeface="Montserrat"/>
-                <a:sym typeface="Montserrat"/>
-              </a:rPr>
-              <a:t>memiliki</a:t>
-            </a:r>
-            <a:r>
-              <a:rPr lang="en-ID" sz="1200" dirty="0">
-                <a:solidFill>
-                  <a:srgbClr val="292929"/>
-                </a:solidFill>
-                <a:latin typeface="+mj-lt"/>
-                <a:ea typeface="Montserrat"/>
-                <a:cs typeface="Montserrat"/>
-                <a:sym typeface="Montserrat"/>
-              </a:rPr>
-              <a:t> </a:t>
-            </a:r>
-            <a:r>
-              <a:rPr lang="en-ID" sz="1200" dirty="0" err="1">
-                <a:solidFill>
-                  <a:srgbClr val="292929"/>
-                </a:solidFill>
-                <a:latin typeface="+mj-lt"/>
-                <a:ea typeface="Montserrat"/>
-                <a:cs typeface="Montserrat"/>
-                <a:sym typeface="Montserrat"/>
-              </a:rPr>
-              <a:t>korelasi</a:t>
-            </a:r>
-            <a:r>
-              <a:rPr lang="en-ID" sz="1200" dirty="0">
-                <a:solidFill>
-                  <a:srgbClr val="292929"/>
-                </a:solidFill>
-                <a:latin typeface="+mj-lt"/>
-                <a:ea typeface="Montserrat"/>
-                <a:cs typeface="Montserrat"/>
-                <a:sym typeface="Montserrat"/>
-              </a:rPr>
-              <a:t> </a:t>
-            </a:r>
-            <a:r>
-              <a:rPr lang="en-ID" sz="1200" dirty="0" err="1">
-                <a:solidFill>
-                  <a:srgbClr val="292929"/>
-                </a:solidFill>
-                <a:latin typeface="+mj-lt"/>
-                <a:ea typeface="Montserrat"/>
-                <a:cs typeface="Montserrat"/>
-                <a:sym typeface="Montserrat"/>
-              </a:rPr>
-              <a:t>positif</a:t>
-            </a:r>
-            <a:r>
-              <a:rPr lang="en-ID" sz="1200" dirty="0">
-                <a:solidFill>
-                  <a:srgbClr val="292929"/>
-                </a:solidFill>
-                <a:latin typeface="+mj-lt"/>
-                <a:ea typeface="Montserrat"/>
-                <a:cs typeface="Montserrat"/>
-                <a:sym typeface="Montserrat"/>
-              </a:rPr>
-              <a:t>.</a:t>
-            </a:r>
-          </a:p>
-          <a:p>
-            <a:pPr marL="914400" lvl="1" indent="-298450">
-              <a:lnSpc>
-                <a:spcPct val="135714"/>
-              </a:lnSpc>
-              <a:spcBef>
-                <a:spcPts val="0"/>
-              </a:spcBef>
-              <a:buClr>
-                <a:srgbClr val="292929"/>
-              </a:buClr>
-              <a:buSzPts val="1100"/>
-              <a:buFont typeface="Montserrat"/>
-              <a:buChar char="○"/>
-            </a:pPr>
-            <a:r>
-              <a:rPr lang="en-ID" sz="1200" dirty="0" err="1">
-                <a:solidFill>
-                  <a:srgbClr val="292929"/>
-                </a:solidFill>
-                <a:latin typeface="+mj-lt"/>
-                <a:ea typeface="Montserrat"/>
-                <a:cs typeface="Montserrat"/>
-                <a:sym typeface="Montserrat"/>
-              </a:rPr>
-              <a:t>Dalam</a:t>
-            </a:r>
-            <a:r>
-              <a:rPr lang="en-ID" sz="1200" dirty="0">
-                <a:solidFill>
-                  <a:srgbClr val="292929"/>
-                </a:solidFill>
-                <a:latin typeface="+mj-lt"/>
-                <a:ea typeface="Montserrat"/>
-                <a:cs typeface="Montserrat"/>
-                <a:sym typeface="Montserrat"/>
-              </a:rPr>
-              <a:t> </a:t>
-            </a:r>
-            <a:r>
-              <a:rPr lang="en-ID" sz="1200" dirty="0" err="1">
-                <a:solidFill>
-                  <a:srgbClr val="292929"/>
-                </a:solidFill>
-                <a:latin typeface="+mj-lt"/>
-                <a:ea typeface="Montserrat"/>
-                <a:cs typeface="Montserrat"/>
-                <a:sym typeface="Montserrat"/>
-              </a:rPr>
-              <a:t>visualisasi</a:t>
-            </a:r>
-            <a:r>
-              <a:rPr lang="en-ID" sz="1200" dirty="0">
-                <a:solidFill>
-                  <a:srgbClr val="292929"/>
-                </a:solidFill>
-                <a:latin typeface="+mj-lt"/>
-                <a:ea typeface="Montserrat"/>
-                <a:cs typeface="Montserrat"/>
-                <a:sym typeface="Montserrat"/>
-              </a:rPr>
-              <a:t> </a:t>
-            </a:r>
-            <a:r>
-              <a:rPr lang="en-ID" sz="1200" dirty="0" err="1">
-                <a:solidFill>
-                  <a:srgbClr val="292929"/>
-                </a:solidFill>
-                <a:latin typeface="+mj-lt"/>
-                <a:ea typeface="Montserrat"/>
-                <a:cs typeface="Montserrat"/>
-                <a:sym typeface="Montserrat"/>
-              </a:rPr>
-              <a:t>menunjukkan</a:t>
-            </a:r>
-            <a:r>
-              <a:rPr lang="en-ID" sz="1200" dirty="0">
-                <a:solidFill>
-                  <a:srgbClr val="292929"/>
-                </a:solidFill>
-                <a:latin typeface="+mj-lt"/>
-                <a:ea typeface="Montserrat"/>
-                <a:cs typeface="Montserrat"/>
-                <a:sym typeface="Montserrat"/>
-              </a:rPr>
-              <a:t>:</a:t>
-            </a:r>
-          </a:p>
-          <a:p>
-            <a:pPr marL="1371600" lvl="2" indent="-298450">
-              <a:lnSpc>
-                <a:spcPct val="135714"/>
-              </a:lnSpc>
-              <a:spcBef>
-                <a:spcPts val="0"/>
-              </a:spcBef>
-              <a:buClr>
-                <a:srgbClr val="292929"/>
-              </a:buClr>
-              <a:buSzPts val="1100"/>
-              <a:buFont typeface="Montserrat"/>
-              <a:buChar char="■"/>
-            </a:pPr>
-            <a:r>
               <a:rPr lang="en-ID" sz="1200" dirty="0" err="1">
                 <a:solidFill>
                   <a:srgbClr val="292929"/>
@@ -12441,483 +12232,6 @@
               <a:cs typeface="Montserrat"/>
               <a:sym typeface="Montserrat"/>
             </a:endParaRPr>
-          </a:p>
-          <a:p>
-            <a:pPr marL="0" indent="0">
-              <a:lnSpc>
-                <a:spcPct val="135714"/>
-              </a:lnSpc>
-              <a:spcBef>
-                <a:spcPts val="0"/>
-              </a:spcBef>
-              <a:buFont typeface="Wingdings 3" charset="2"/>
-              <a:buNone/>
-            </a:pPr>
-            <a:r>
-              <a:rPr lang="en-ID" sz="1200" dirty="0">
-                <a:solidFill>
-                  <a:srgbClr val="292929"/>
-                </a:solidFill>
-                <a:latin typeface="+mj-lt"/>
-                <a:ea typeface="Montserrat"/>
-                <a:cs typeface="Montserrat"/>
-                <a:sym typeface="Montserrat"/>
-              </a:rPr>
-              <a:t>Dari </a:t>
-            </a:r>
-            <a:r>
-              <a:rPr lang="en-ID" sz="1200" dirty="0" err="1">
-                <a:solidFill>
-                  <a:srgbClr val="292929"/>
-                </a:solidFill>
-                <a:latin typeface="+mj-lt"/>
-                <a:ea typeface="Montserrat"/>
-                <a:cs typeface="Montserrat"/>
-                <a:sym typeface="Montserrat"/>
-              </a:rPr>
-              <a:t>hasil</a:t>
-            </a:r>
-            <a:r>
-              <a:rPr lang="en-ID" sz="1200" dirty="0">
-                <a:solidFill>
-                  <a:srgbClr val="292929"/>
-                </a:solidFill>
-                <a:latin typeface="+mj-lt"/>
-                <a:ea typeface="Montserrat"/>
-                <a:cs typeface="Montserrat"/>
-                <a:sym typeface="Montserrat"/>
-              </a:rPr>
-              <a:t> </a:t>
-            </a:r>
-            <a:r>
-              <a:rPr lang="en-ID" sz="1200" dirty="0" err="1">
-                <a:solidFill>
-                  <a:srgbClr val="292929"/>
-                </a:solidFill>
-                <a:latin typeface="+mj-lt"/>
-                <a:ea typeface="Montserrat"/>
-                <a:cs typeface="Montserrat"/>
-                <a:sym typeface="Montserrat"/>
-              </a:rPr>
-              <a:t>tersebut</a:t>
-            </a:r>
-            <a:r>
-              <a:rPr lang="en-ID" sz="1200" dirty="0">
-                <a:solidFill>
-                  <a:srgbClr val="292929"/>
-                </a:solidFill>
-                <a:latin typeface="+mj-lt"/>
-                <a:ea typeface="Montserrat"/>
-                <a:cs typeface="Montserrat"/>
-                <a:sym typeface="Montserrat"/>
-              </a:rPr>
-              <a:t> </a:t>
-            </a:r>
-            <a:r>
-              <a:rPr lang="en-ID" sz="1200" dirty="0" err="1">
-                <a:solidFill>
-                  <a:srgbClr val="292929"/>
-                </a:solidFill>
-                <a:latin typeface="+mj-lt"/>
-                <a:ea typeface="Montserrat"/>
-                <a:cs typeface="Montserrat"/>
-                <a:sym typeface="Montserrat"/>
-              </a:rPr>
-              <a:t>dapat</a:t>
-            </a:r>
-            <a:r>
-              <a:rPr lang="en-ID" sz="1200" dirty="0">
-                <a:solidFill>
-                  <a:srgbClr val="292929"/>
-                </a:solidFill>
-                <a:latin typeface="+mj-lt"/>
-                <a:ea typeface="Montserrat"/>
-                <a:cs typeface="Montserrat"/>
-                <a:sym typeface="Montserrat"/>
-              </a:rPr>
-              <a:t> </a:t>
-            </a:r>
-            <a:r>
-              <a:rPr lang="en-ID" sz="1200" dirty="0" err="1">
-                <a:solidFill>
-                  <a:srgbClr val="292929"/>
-                </a:solidFill>
-                <a:latin typeface="+mj-lt"/>
-                <a:ea typeface="Montserrat"/>
-                <a:cs typeface="Montserrat"/>
-                <a:sym typeface="Montserrat"/>
-              </a:rPr>
-              <a:t>disimpulkan</a:t>
-            </a:r>
-            <a:r>
-              <a:rPr lang="en-ID" sz="1200" dirty="0">
-                <a:solidFill>
-                  <a:srgbClr val="292929"/>
-                </a:solidFill>
-                <a:latin typeface="+mj-lt"/>
-                <a:ea typeface="Montserrat"/>
-                <a:cs typeface="Montserrat"/>
-                <a:sym typeface="Montserrat"/>
-              </a:rPr>
-              <a:t> </a:t>
-            </a:r>
-            <a:r>
-              <a:rPr lang="en-ID" sz="1200" dirty="0" err="1">
-                <a:solidFill>
-                  <a:srgbClr val="292929"/>
-                </a:solidFill>
-                <a:latin typeface="+mj-lt"/>
-                <a:ea typeface="Montserrat"/>
-                <a:cs typeface="Montserrat"/>
-                <a:sym typeface="Montserrat"/>
-              </a:rPr>
-              <a:t>panjang</a:t>
-            </a:r>
-            <a:r>
-              <a:rPr lang="en-ID" sz="1200" dirty="0">
-                <a:solidFill>
-                  <a:srgbClr val="292929"/>
-                </a:solidFill>
-                <a:latin typeface="+mj-lt"/>
-                <a:ea typeface="Montserrat"/>
-                <a:cs typeface="Montserrat"/>
-                <a:sym typeface="Montserrat"/>
-              </a:rPr>
-              <a:t> kata dan </a:t>
-            </a:r>
-            <a:r>
-              <a:rPr lang="en-ID" sz="1200" dirty="0" err="1">
-                <a:solidFill>
-                  <a:srgbClr val="292929"/>
-                </a:solidFill>
-                <a:latin typeface="+mj-lt"/>
-                <a:ea typeface="Montserrat"/>
-                <a:cs typeface="Montserrat"/>
-                <a:sym typeface="Montserrat"/>
-              </a:rPr>
-              <a:t>karakter</a:t>
-            </a:r>
-            <a:r>
-              <a:rPr lang="en-ID" sz="1200" dirty="0">
-                <a:solidFill>
-                  <a:srgbClr val="292929"/>
-                </a:solidFill>
-                <a:latin typeface="+mj-lt"/>
-                <a:ea typeface="Montserrat"/>
-                <a:cs typeface="Montserrat"/>
-                <a:sym typeface="Montserrat"/>
-              </a:rPr>
-              <a:t> </a:t>
-            </a:r>
-            <a:r>
-              <a:rPr lang="en-ID" sz="1200" dirty="0" err="1">
-                <a:solidFill>
-                  <a:srgbClr val="292929"/>
-                </a:solidFill>
-                <a:latin typeface="+mj-lt"/>
-                <a:ea typeface="Montserrat"/>
-                <a:cs typeface="Montserrat"/>
-                <a:sym typeface="Montserrat"/>
-              </a:rPr>
-              <a:t>didominasi</a:t>
-            </a:r>
-            <a:r>
-              <a:rPr lang="en-ID" sz="1200" dirty="0">
-                <a:solidFill>
-                  <a:srgbClr val="292929"/>
-                </a:solidFill>
-                <a:latin typeface="+mj-lt"/>
-                <a:ea typeface="Montserrat"/>
-                <a:cs typeface="Montserrat"/>
-                <a:sym typeface="Montserrat"/>
-              </a:rPr>
-              <a:t> </a:t>
-            </a:r>
-            <a:r>
-              <a:rPr lang="en-ID" sz="1200" dirty="0" err="1">
-                <a:solidFill>
-                  <a:srgbClr val="292929"/>
-                </a:solidFill>
-                <a:latin typeface="+mj-lt"/>
-                <a:ea typeface="Montserrat"/>
-                <a:cs typeface="Montserrat"/>
-                <a:sym typeface="Montserrat"/>
-              </a:rPr>
-              <a:t>sentimen</a:t>
-            </a:r>
-            <a:r>
-              <a:rPr lang="en-ID" sz="1200" dirty="0">
-                <a:solidFill>
-                  <a:srgbClr val="292929"/>
-                </a:solidFill>
-                <a:latin typeface="+mj-lt"/>
-                <a:ea typeface="Montserrat"/>
-                <a:cs typeface="Montserrat"/>
-                <a:sym typeface="Montserrat"/>
-              </a:rPr>
-              <a:t> </a:t>
-            </a:r>
-            <a:r>
-              <a:rPr lang="en-ID" sz="1200" dirty="0" err="1">
-                <a:solidFill>
-                  <a:srgbClr val="292929"/>
-                </a:solidFill>
-                <a:latin typeface="+mj-lt"/>
-                <a:ea typeface="Montserrat"/>
-                <a:cs typeface="Montserrat"/>
-                <a:sym typeface="Montserrat"/>
-              </a:rPr>
-              <a:t>positif</a:t>
-            </a:r>
-            <a:r>
-              <a:rPr lang="en-ID" sz="1200" dirty="0">
-                <a:solidFill>
-                  <a:srgbClr val="292929"/>
-                </a:solidFill>
-                <a:latin typeface="+mj-lt"/>
-                <a:ea typeface="Montserrat"/>
-                <a:cs typeface="Montserrat"/>
-                <a:sym typeface="Montserrat"/>
-              </a:rPr>
-              <a:t>. </a:t>
-            </a:r>
-          </a:p>
-          <a:p>
-            <a:pPr marL="0" indent="0">
-              <a:lnSpc>
-                <a:spcPct val="135714"/>
-              </a:lnSpc>
-              <a:buFont typeface="Wingdings 3" charset="2"/>
-              <a:buNone/>
-            </a:pPr>
-            <a:r>
-              <a:rPr lang="en-ID" sz="1200" dirty="0">
-                <a:solidFill>
-                  <a:srgbClr val="292929"/>
-                </a:solidFill>
-                <a:latin typeface="+mj-lt"/>
-                <a:ea typeface="Montserrat"/>
-                <a:cs typeface="Montserrat"/>
-                <a:sym typeface="Montserrat"/>
-              </a:rPr>
-              <a:t>Pada </a:t>
-            </a:r>
-            <a:r>
-              <a:rPr lang="en-ID" sz="1200" dirty="0" err="1">
-                <a:solidFill>
-                  <a:srgbClr val="292929"/>
-                </a:solidFill>
-                <a:latin typeface="+mj-lt"/>
-                <a:ea typeface="Montserrat"/>
-                <a:cs typeface="Montserrat"/>
-                <a:sym typeface="Montserrat"/>
-              </a:rPr>
-              <a:t>sentimen</a:t>
-            </a:r>
-            <a:r>
-              <a:rPr lang="en-ID" sz="1200" dirty="0">
-                <a:solidFill>
-                  <a:srgbClr val="292929"/>
-                </a:solidFill>
-                <a:latin typeface="+mj-lt"/>
-                <a:ea typeface="Montserrat"/>
-                <a:cs typeface="Montserrat"/>
-                <a:sym typeface="Montserrat"/>
-              </a:rPr>
-              <a:t> </a:t>
-            </a:r>
-            <a:r>
-              <a:rPr lang="en-ID" sz="1200" dirty="0" err="1">
-                <a:solidFill>
-                  <a:srgbClr val="292929"/>
-                </a:solidFill>
-                <a:latin typeface="+mj-lt"/>
-                <a:ea typeface="Montserrat"/>
-                <a:cs typeface="Montserrat"/>
-                <a:sym typeface="Montserrat"/>
-              </a:rPr>
-              <a:t>positif</a:t>
-            </a:r>
-            <a:r>
-              <a:rPr lang="en-ID" sz="1200" dirty="0">
-                <a:solidFill>
-                  <a:srgbClr val="292929"/>
-                </a:solidFill>
-                <a:latin typeface="+mj-lt"/>
-                <a:ea typeface="Montserrat"/>
-                <a:cs typeface="Montserrat"/>
-                <a:sym typeface="Montserrat"/>
-              </a:rPr>
-              <a:t> kata yang </a:t>
-            </a:r>
-            <a:r>
-              <a:rPr lang="en-ID" sz="1200" dirty="0" err="1">
-                <a:solidFill>
-                  <a:srgbClr val="292929"/>
-                </a:solidFill>
-                <a:latin typeface="+mj-lt"/>
-                <a:ea typeface="Montserrat"/>
-                <a:cs typeface="Montserrat"/>
-                <a:sym typeface="Montserrat"/>
-              </a:rPr>
-              <a:t>sering</a:t>
-            </a:r>
-            <a:r>
-              <a:rPr lang="en-ID" sz="1200" dirty="0">
-                <a:solidFill>
-                  <a:srgbClr val="292929"/>
-                </a:solidFill>
-                <a:latin typeface="+mj-lt"/>
-                <a:ea typeface="Montserrat"/>
-                <a:cs typeface="Montserrat"/>
-                <a:sym typeface="Montserrat"/>
-              </a:rPr>
-              <a:t> </a:t>
-            </a:r>
-            <a:r>
-              <a:rPr lang="en-ID" sz="1200" dirty="0" err="1">
-                <a:solidFill>
-                  <a:srgbClr val="292929"/>
-                </a:solidFill>
-                <a:latin typeface="+mj-lt"/>
-                <a:ea typeface="Montserrat"/>
-                <a:cs typeface="Montserrat"/>
-                <a:sym typeface="Montserrat"/>
-              </a:rPr>
-              <a:t>muncul</a:t>
-            </a:r>
-            <a:r>
-              <a:rPr lang="en-ID" sz="1200" dirty="0">
-                <a:solidFill>
-                  <a:srgbClr val="292929"/>
-                </a:solidFill>
-                <a:latin typeface="+mj-lt"/>
-                <a:ea typeface="Montserrat"/>
-                <a:cs typeface="Montserrat"/>
-                <a:sym typeface="Montserrat"/>
-              </a:rPr>
-              <a:t> </a:t>
-            </a:r>
-            <a:r>
-              <a:rPr lang="en-ID" sz="1200" dirty="0" err="1">
-                <a:solidFill>
-                  <a:srgbClr val="292929"/>
-                </a:solidFill>
-                <a:latin typeface="+mj-lt"/>
-                <a:ea typeface="Montserrat"/>
-                <a:cs typeface="Montserrat"/>
-                <a:sym typeface="Montserrat"/>
-              </a:rPr>
-              <a:t>adalah</a:t>
-            </a:r>
-            <a:r>
-              <a:rPr lang="en-ID" sz="1200" dirty="0">
-                <a:solidFill>
-                  <a:srgbClr val="292929"/>
-                </a:solidFill>
-                <a:latin typeface="+mj-lt"/>
-                <a:ea typeface="Montserrat"/>
-                <a:cs typeface="Montserrat"/>
-                <a:sym typeface="Montserrat"/>
-              </a:rPr>
-              <a:t> "dan", "di", "</a:t>
-            </a:r>
-            <a:r>
-              <a:rPr lang="en-ID" sz="1200" dirty="0" err="1">
-                <a:solidFill>
-                  <a:srgbClr val="292929"/>
-                </a:solidFill>
-                <a:latin typeface="+mj-lt"/>
-                <a:ea typeface="Montserrat"/>
-                <a:cs typeface="Montserrat"/>
-                <a:sym typeface="Montserrat"/>
-              </a:rPr>
-              <a:t>sini</a:t>
-            </a:r>
-            <a:r>
-              <a:rPr lang="en-ID" sz="1200" dirty="0">
-                <a:solidFill>
-                  <a:srgbClr val="292929"/>
-                </a:solidFill>
-                <a:latin typeface="+mj-lt"/>
-                <a:ea typeface="Montserrat"/>
-                <a:cs typeface="Montserrat"/>
-                <a:sym typeface="Montserrat"/>
-              </a:rPr>
-              <a:t>", "</a:t>
-            </a:r>
-            <a:r>
-              <a:rPr lang="en-ID" sz="1200" dirty="0" err="1">
-                <a:solidFill>
-                  <a:srgbClr val="292929"/>
-                </a:solidFill>
-                <a:latin typeface="+mj-lt"/>
-                <a:ea typeface="Montserrat"/>
-                <a:cs typeface="Montserrat"/>
-                <a:sym typeface="Montserrat"/>
-              </a:rPr>
-              <a:t>tempat</a:t>
-            </a:r>
-            <a:r>
-              <a:rPr lang="en-ID" sz="1200" dirty="0">
-                <a:solidFill>
-                  <a:srgbClr val="292929"/>
-                </a:solidFill>
-                <a:latin typeface="+mj-lt"/>
-                <a:ea typeface="Montserrat"/>
-                <a:cs typeface="Montserrat"/>
-                <a:sym typeface="Montserrat"/>
-              </a:rPr>
-              <a:t>", "</a:t>
-            </a:r>
-            <a:r>
-              <a:rPr lang="en-ID" sz="1200" dirty="0" err="1">
-                <a:solidFill>
-                  <a:srgbClr val="292929"/>
-                </a:solidFill>
-                <a:latin typeface="+mj-lt"/>
-                <a:ea typeface="Montserrat"/>
-                <a:cs typeface="Montserrat"/>
-                <a:sym typeface="Montserrat"/>
-              </a:rPr>
-              <a:t>nya</a:t>
-            </a:r>
-            <a:r>
-              <a:rPr lang="en-ID" sz="1200" dirty="0">
-                <a:solidFill>
-                  <a:srgbClr val="292929"/>
-                </a:solidFill>
-                <a:latin typeface="+mj-lt"/>
-                <a:ea typeface="Montserrat"/>
-                <a:cs typeface="Montserrat"/>
-                <a:sym typeface="Montserrat"/>
-              </a:rPr>
-              <a:t>", dan "</a:t>
-            </a:r>
-            <a:r>
-              <a:rPr lang="en-ID" sz="1200" dirty="0" err="1">
-                <a:solidFill>
-                  <a:srgbClr val="292929"/>
-                </a:solidFill>
-                <a:latin typeface="+mj-lt"/>
-                <a:ea typeface="Montserrat"/>
-                <a:cs typeface="Montserrat"/>
-                <a:sym typeface="Montserrat"/>
-              </a:rPr>
-              <a:t>enak</a:t>
-            </a:r>
-            <a:r>
-              <a:rPr lang="en-ID" sz="1200" dirty="0">
-                <a:solidFill>
-                  <a:srgbClr val="292929"/>
-                </a:solidFill>
-                <a:latin typeface="+mj-lt"/>
-                <a:ea typeface="Montserrat"/>
-                <a:cs typeface="Montserrat"/>
-                <a:sym typeface="Montserrat"/>
-              </a:rPr>
-              <a:t>".</a:t>
-            </a:r>
           </a:p>
           <a:p>
             <a:pPr marL="0" indent="0">
@@ -13076,7 +12390,7 @@
                 <a:cs typeface="Montserrat"/>
                 <a:sym typeface="Montserrat"/>
               </a:rPr>
-              <a:t>pujian</a:t>
+              <a:t>sebagai</a:t>
             </a:r>
             <a:r>
               <a:rPr lang="en-ID" sz="1200" dirty="0">
@@ -13088,7 +12402,7 @@
                 <a:cs typeface="Montserrat"/>
                 <a:sym typeface="Montserrat"/>
               </a:rPr>
-              <a:t> paling </a:t>
+              <a:t> kata </a:t>
             </a:r>
             <a:r>
               <a:rPr lang="en-ID" sz="1200" dirty="0" err="1">
@@ -13100,7 +12414,7 @@
                 <a:cs typeface="Montserrat"/>
                 <a:sym typeface="Montserrat"/>
               </a:rPr>
-              <a:t>banyak</a:t>
+              <a:t>penghubung</a:t>
             </a:r>
             <a:r>
               <a:rPr lang="en-ID" sz="1200" dirty="0">
@@ -13112,6 +12426,30 @@
                 <a:cs typeface="Montserrat"/>
                 <a:sym typeface="Montserrat"/>
               </a:rPr>
+              <a:t> yang </a:t>
+            </a:r>
+            <a:r>
+              <a:rPr lang="en-ID" sz="1200" dirty="0" err="1">
+                <a:solidFill>
+                  <a:srgbClr val="292929"/>
+                </a:solidFill>
+                <a:latin typeface="+mj-lt"/>
+                <a:ea typeface="Montserrat"/>
+                <a:cs typeface="Montserrat"/>
+                <a:sym typeface="Montserrat"/>
+              </a:rPr>
+              <a:t>berfungsi</a:t>
+            </a:r>
+            <a:r>
+              <a:rPr lang="en-ID" sz="1200" dirty="0">
+                <a:solidFill>
+                  <a:srgbClr val="292929"/>
+                </a:solidFill>
+                <a:latin typeface="+mj-lt"/>
+                <a:ea typeface="Montserrat"/>
+                <a:cs typeface="Montserrat"/>
+                <a:sym typeface="Montserrat"/>
+              </a:rPr>
               <a:t> </a:t>
             </a:r>
             <a:r>
@@ -13124,7 +12462,7 @@
                 <a:cs typeface="Montserrat"/>
                 <a:sym typeface="Montserrat"/>
               </a:rPr>
-              <a:t>soal</a:t>
+              <a:t>untuk</a:t>
             </a:r>
             <a:r>
               <a:rPr lang="en-ID" sz="1200" dirty="0">
@@ -13136,7 +12474,7 @@
                 <a:cs typeface="Montserrat"/>
                 <a:sym typeface="Montserrat"/>
               </a:rPr>
-              <a:t> “</a:t>
+              <a:t> </a:t>
             </a:r>
             <a:r>
               <a:rPr lang="en-ID" sz="1200" dirty="0" err="1">
@@ -13148,7 +12486,7 @@
                 <a:cs typeface="Montserrat"/>
                 <a:sym typeface="Montserrat"/>
               </a:rPr>
-              <a:t>tempat</a:t>
+              <a:t>menghubungkan</a:t>
             </a:r>
             <a:r>
               <a:rPr lang="en-ID" sz="1200" dirty="0">
@@ -13160,7 +12498,7 @@
                 <a:cs typeface="Montserrat"/>
                 <a:sym typeface="Montserrat"/>
               </a:rPr>
-              <a:t> yang </a:t>
+              <a:t> </a:t>
             </a:r>
             <a:r>
               <a:rPr lang="en-ID" sz="1200" dirty="0" err="1">
@@ -13172,7 +12510,7 @@
                 <a:cs typeface="Montserrat"/>
                 <a:sym typeface="Montserrat"/>
               </a:rPr>
-              <a:t>enak</a:t>
+              <a:t>atau</a:t>
             </a:r>
             <a:r>
               <a:rPr lang="en-ID" sz="1200" dirty="0">
@@ -13184,7 +12522,7 @@
                 <a:cs typeface="Montserrat"/>
                 <a:sym typeface="Montserrat"/>
               </a:rPr>
-              <a:t>” </a:t>
+              <a:t> </a:t>
             </a:r>
             <a:r>
               <a:rPr lang="en-ID" sz="1200" dirty="0" err="1">
@@ -13196,6 +12534,102 @@
                 <a:cs typeface="Montserrat"/>
                 <a:sym typeface="Montserrat"/>
               </a:rPr>
+              <a:t>menggabungkan</a:t>
+            </a:r>
+            <a:r>
+              <a:rPr lang="en-ID" sz="1200" dirty="0">
+                <a:solidFill>
+                  <a:srgbClr val="292929"/>
+                </a:solidFill>
+                <a:latin typeface="+mj-lt"/>
+                <a:ea typeface="Montserrat"/>
+                <a:cs typeface="Montserrat"/>
+                <a:sym typeface="Montserrat"/>
+              </a:rPr>
+              <a:t> </a:t>
+            </a:r>
+            <a:r>
+              <a:rPr lang="en-ID" sz="1200" dirty="0" err="1">
+                <a:solidFill>
+                  <a:srgbClr val="292929"/>
+                </a:solidFill>
+                <a:latin typeface="+mj-lt"/>
+                <a:ea typeface="Montserrat"/>
+                <a:cs typeface="Montserrat"/>
+                <a:sym typeface="Montserrat"/>
+              </a:rPr>
+              <a:t>klausa</a:t>
+            </a:r>
+            <a:r>
+              <a:rPr lang="en-ID" sz="1200" dirty="0">
+                <a:solidFill>
+                  <a:srgbClr val="292929"/>
+                </a:solidFill>
+                <a:latin typeface="+mj-lt"/>
+                <a:ea typeface="Montserrat"/>
+                <a:cs typeface="Montserrat"/>
+                <a:sym typeface="Montserrat"/>
+              </a:rPr>
+              <a:t> </a:t>
+            </a:r>
+            <a:r>
+              <a:rPr lang="en-ID" sz="1200" dirty="0" err="1">
+                <a:solidFill>
+                  <a:srgbClr val="292929"/>
+                </a:solidFill>
+                <a:latin typeface="+mj-lt"/>
+                <a:ea typeface="Montserrat"/>
+                <a:cs typeface="Montserrat"/>
+                <a:sym typeface="Montserrat"/>
+              </a:rPr>
+              <a:t>dengan</a:t>
+            </a:r>
+            <a:r>
+              <a:rPr lang="en-ID" sz="1200" dirty="0">
+                <a:solidFill>
+                  <a:srgbClr val="292929"/>
+                </a:solidFill>
+                <a:latin typeface="+mj-lt"/>
+                <a:ea typeface="Montserrat"/>
+                <a:cs typeface="Montserrat"/>
+                <a:sym typeface="Montserrat"/>
+              </a:rPr>
+              <a:t> </a:t>
+            </a:r>
+            <a:r>
+              <a:rPr lang="en-ID" sz="1200" dirty="0" err="1">
+                <a:solidFill>
+                  <a:srgbClr val="292929"/>
+                </a:solidFill>
+                <a:latin typeface="+mj-lt"/>
+                <a:ea typeface="Montserrat"/>
+                <a:cs typeface="Montserrat"/>
+                <a:sym typeface="Montserrat"/>
+              </a:rPr>
+              <a:t>klausa</a:t>
+            </a:r>
+            <a:r>
+              <a:rPr lang="en-ID" sz="1200" dirty="0">
+                <a:solidFill>
+                  <a:srgbClr val="292929"/>
+                </a:solidFill>
+                <a:latin typeface="+mj-lt"/>
+                <a:ea typeface="Montserrat"/>
+                <a:cs typeface="Montserrat"/>
+                <a:sym typeface="Montserrat"/>
+              </a:rPr>
+              <a:t> </a:t>
+            </a:r>
+            <a:r>
+              <a:rPr lang="en-ID" sz="1200" dirty="0" err="1">
+                <a:solidFill>
+                  <a:srgbClr val="292929"/>
+                </a:solidFill>
+                <a:latin typeface="+mj-lt"/>
+                <a:ea typeface="Montserrat"/>
+                <a:cs typeface="Montserrat"/>
+                <a:sym typeface="Montserrat"/>
+              </a:rPr>
               <a:t>atau</a:t>
             </a:r>
             <a:r>
@@ -13208,7 +12642,7 @@
                 <a:cs typeface="Montserrat"/>
                 <a:sym typeface="Montserrat"/>
               </a:rPr>
-              <a:t> “</a:t>
+              <a:t> pun juga </a:t>
             </a:r>
             <a:r>
               <a:rPr lang="en-ID" sz="1200" dirty="0" err="1">
@@ -13220,7 +12654,7 @@
                 <a:cs typeface="Montserrat"/>
                 <a:sym typeface="Montserrat"/>
               </a:rPr>
-              <a:t>lokasi</a:t>
+              <a:t>kalimat</a:t>
             </a:r>
             <a:r>
               <a:rPr lang="en-ID" sz="1200" dirty="0">
@@ -13232,7 +12666,7 @@
                 <a:cs typeface="Montserrat"/>
                 <a:sym typeface="Montserrat"/>
               </a:rPr>
-              <a:t> yang </a:t>
+              <a:t> </a:t>
             </a:r>
             <a:r>
               <a:rPr lang="en-ID" sz="1200" dirty="0" err="1">
@@ -13244,7 +12678,31 @@
                 <a:cs typeface="Montserrat"/>
                 <a:sym typeface="Montserrat"/>
               </a:rPr>
-              <a:t>enak</a:t>
+              <a:t>dengan</a:t>
+            </a:r>
+            <a:r>
+              <a:rPr lang="en-ID" sz="1200" dirty="0">
+                <a:solidFill>
+                  <a:srgbClr val="292929"/>
+                </a:solidFill>
+                <a:latin typeface="+mj-lt"/>
+                <a:ea typeface="Montserrat"/>
+                <a:cs typeface="Montserrat"/>
+                <a:sym typeface="Montserrat"/>
+              </a:rPr>
+              <a:t> </a:t>
+            </a:r>
+            <a:r>
+              <a:rPr lang="en-ID" sz="1200" dirty="0" err="1">
+                <a:solidFill>
+                  <a:srgbClr val="292929"/>
+                </a:solidFill>
+                <a:latin typeface="+mj-lt"/>
+                <a:ea typeface="Montserrat"/>
+                <a:cs typeface="Montserrat"/>
+                <a:sym typeface="Montserrat"/>
+              </a:rPr>
+              <a:t>kalimat</a:t>
             </a:r>
             <a:r>
               <a:rPr lang="en-ID" sz="1200" dirty="0">

--- a/TUGAS GOLD CHALLENGE.pptx
+++ b/TUGAS GOLD CHALLENGE.pptx
@@ -12717,6 +12717,223 @@
               <a:t>.</a:t>
             </a:r>
           </a:p>
+          <a:p>
+            <a:pPr marL="0" indent="0">
+              <a:lnSpc>
+                <a:spcPct val="135714"/>
+              </a:lnSpc>
+              <a:spcAft>
+                <a:spcPts val="1000"/>
+              </a:spcAft>
+              <a:buClr>
+                <a:schemeClr val="dk1"/>
+              </a:buClr>
+              <a:buSzPts val="1100"/>
+              <a:buFont typeface="Arial"/>
+              <a:buNone/>
+            </a:pPr>
+            <a:r>
+              <a:rPr lang="en-ID" sz="1200" dirty="0">
+                <a:solidFill>
+                  <a:srgbClr val="292929"/>
+                </a:solidFill>
+                <a:latin typeface="+mj-lt"/>
+                <a:ea typeface="Montserrat"/>
+                <a:cs typeface="Montserrat"/>
+                <a:sym typeface="Montserrat"/>
+              </a:rPr>
+              <a:t>Dan </a:t>
+            </a:r>
+            <a:r>
+              <a:rPr lang="en-ID" sz="1200" dirty="0" err="1">
+                <a:solidFill>
+                  <a:srgbClr val="292929"/>
+                </a:solidFill>
+                <a:latin typeface="+mj-lt"/>
+                <a:ea typeface="Montserrat"/>
+                <a:cs typeface="Montserrat"/>
+                <a:sym typeface="Montserrat"/>
+              </a:rPr>
+              <a:t>terkait</a:t>
+            </a:r>
+            <a:r>
+              <a:rPr lang="en-ID" sz="1200" dirty="0">
+                <a:solidFill>
+                  <a:srgbClr val="292929"/>
+                </a:solidFill>
+                <a:latin typeface="+mj-lt"/>
+                <a:ea typeface="Montserrat"/>
+                <a:cs typeface="Montserrat"/>
+                <a:sym typeface="Montserrat"/>
+              </a:rPr>
+              <a:t> </a:t>
+            </a:r>
+            <a:r>
+              <a:rPr lang="en-ID" sz="1200" dirty="0" err="1">
+                <a:solidFill>
+                  <a:srgbClr val="292929"/>
+                </a:solidFill>
+                <a:latin typeface="+mj-lt"/>
+                <a:ea typeface="Montserrat"/>
+                <a:cs typeface="Montserrat"/>
+                <a:sym typeface="Montserrat"/>
+              </a:rPr>
+              <a:t>topik</a:t>
+            </a:r>
+            <a:r>
+              <a:rPr lang="en-ID" sz="1200" dirty="0">
+                <a:solidFill>
+                  <a:srgbClr val="292929"/>
+                </a:solidFill>
+                <a:latin typeface="+mj-lt"/>
+                <a:ea typeface="Montserrat"/>
+                <a:cs typeface="Montserrat"/>
+                <a:sym typeface="Montserrat"/>
+              </a:rPr>
+              <a:t> </a:t>
+            </a:r>
+            <a:r>
+              <a:rPr lang="en-ID" sz="1200" dirty="0" err="1">
+                <a:solidFill>
+                  <a:srgbClr val="292929"/>
+                </a:solidFill>
+                <a:latin typeface="+mj-lt"/>
+                <a:ea typeface="Montserrat"/>
+                <a:cs typeface="Montserrat"/>
+                <a:sym typeface="Montserrat"/>
+              </a:rPr>
+              <a:t>pembahsannya</a:t>
+            </a:r>
+            <a:r>
+              <a:rPr lang="en-ID" sz="1200" dirty="0">
+                <a:solidFill>
+                  <a:srgbClr val="292929"/>
+                </a:solidFill>
+                <a:latin typeface="+mj-lt"/>
+                <a:ea typeface="Montserrat"/>
+                <a:cs typeface="Montserrat"/>
+                <a:sym typeface="Montserrat"/>
+              </a:rPr>
+              <a:t> yang paling </a:t>
+            </a:r>
+            <a:r>
+              <a:rPr lang="en-ID" sz="1200" dirty="0" err="1">
+                <a:solidFill>
+                  <a:srgbClr val="292929"/>
+                </a:solidFill>
+                <a:latin typeface="+mj-lt"/>
+                <a:ea typeface="Montserrat"/>
+                <a:cs typeface="Montserrat"/>
+                <a:sym typeface="Montserrat"/>
+              </a:rPr>
+              <a:t>banyak</a:t>
+            </a:r>
+            <a:r>
+              <a:rPr lang="en-ID" sz="1200" dirty="0">
+                <a:solidFill>
+                  <a:srgbClr val="292929"/>
+                </a:solidFill>
+                <a:latin typeface="+mj-lt"/>
+                <a:ea typeface="Montserrat"/>
+                <a:cs typeface="Montserrat"/>
+                <a:sym typeface="Montserrat"/>
+              </a:rPr>
+              <a:t> </a:t>
+            </a:r>
+            <a:r>
+              <a:rPr lang="en-ID" sz="1200" dirty="0" err="1">
+                <a:solidFill>
+                  <a:srgbClr val="292929"/>
+                </a:solidFill>
+                <a:latin typeface="+mj-lt"/>
+                <a:ea typeface="Montserrat"/>
+                <a:cs typeface="Montserrat"/>
+                <a:sym typeface="Montserrat"/>
+              </a:rPr>
+              <a:t>terkait</a:t>
+            </a:r>
+            <a:r>
+              <a:rPr lang="en-ID" sz="1200" dirty="0">
+                <a:solidFill>
+                  <a:srgbClr val="292929"/>
+                </a:solidFill>
+                <a:latin typeface="+mj-lt"/>
+                <a:ea typeface="Montserrat"/>
+                <a:cs typeface="Montserrat"/>
+                <a:sym typeface="Montserrat"/>
+              </a:rPr>
+              <a:t> </a:t>
+            </a:r>
+            <a:r>
+              <a:rPr lang="en-ID" sz="1200" dirty="0" err="1">
+                <a:solidFill>
+                  <a:srgbClr val="292929"/>
+                </a:solidFill>
+                <a:latin typeface="+mj-lt"/>
+                <a:ea typeface="Montserrat"/>
+                <a:cs typeface="Montserrat"/>
+                <a:sym typeface="Montserrat"/>
+              </a:rPr>
+              <a:t>bagaimana</a:t>
+            </a:r>
+            <a:r>
+              <a:rPr lang="en-ID" sz="1200" dirty="0">
+                <a:solidFill>
+                  <a:srgbClr val="292929"/>
+                </a:solidFill>
+                <a:latin typeface="+mj-lt"/>
+                <a:ea typeface="Montserrat"/>
+                <a:cs typeface="Montserrat"/>
+                <a:sym typeface="Montserrat"/>
+              </a:rPr>
+              <a:t> </a:t>
+            </a:r>
+            <a:r>
+              <a:rPr lang="en-ID" sz="1200" dirty="0" err="1">
+                <a:solidFill>
+                  <a:srgbClr val="292929"/>
+                </a:solidFill>
+                <a:latin typeface="+mj-lt"/>
+                <a:ea typeface="Montserrat"/>
+                <a:cs typeface="Montserrat"/>
+                <a:sym typeface="Montserrat"/>
+              </a:rPr>
+              <a:t>pemimpin</a:t>
+            </a:r>
+            <a:r>
+              <a:rPr lang="en-ID" sz="1200" dirty="0">
+                <a:solidFill>
+                  <a:srgbClr val="292929"/>
+                </a:solidFill>
+                <a:latin typeface="+mj-lt"/>
+                <a:ea typeface="Montserrat"/>
+                <a:cs typeface="Montserrat"/>
+                <a:sym typeface="Montserrat"/>
+              </a:rPr>
+              <a:t> </a:t>
+            </a:r>
+            <a:r>
+              <a:rPr lang="en-ID" sz="1200">
+                <a:solidFill>
+                  <a:srgbClr val="292929"/>
+                </a:solidFill>
+                <a:latin typeface="+mj-lt"/>
+                <a:ea typeface="Montserrat"/>
+                <a:cs typeface="Montserrat"/>
+                <a:sym typeface="Montserrat"/>
+              </a:rPr>
+              <a:t>Di Indonesia</a:t>
+            </a:r>
+            <a:endParaRPr lang="en-ID" sz="1200" dirty="0">
+              <a:solidFill>
+                <a:srgbClr val="292929"/>
+              </a:solidFill>
+              <a:latin typeface="+mj-lt"/>
+              <a:ea typeface="Montserrat"/>
+              <a:cs typeface="Montserrat"/>
+              <a:sym typeface="Montserrat"/>
+            </a:endParaRPr>
+          </a:p>
         </p:txBody>
       </p:sp>
     </p:spTree>
